--- a/GrandWhamPresentation.pptx
+++ b/GrandWhamPresentation.pptx
@@ -4,11 +4,16 @@
   <p:sldMasterIdLst>
     <p:sldMasterId id="2147483660" r:id="rId1"/>
   </p:sldMasterIdLst>
+  <p:notesMasterIdLst>
+    <p:notesMasterId r:id="rId8"/>
+  </p:notesMasterIdLst>
   <p:sldIdLst>
     <p:sldId id="256" r:id="rId2"/>
     <p:sldId id="257" r:id="rId3"/>
-    <p:sldId id="258" r:id="rId4"/>
-    <p:sldId id="259" r:id="rId5"/>
+    <p:sldId id="262" r:id="rId4"/>
+    <p:sldId id="260" r:id="rId5"/>
+    <p:sldId id="258" r:id="rId6"/>
+    <p:sldId id="259" r:id="rId7"/>
   </p:sldIdLst>
   <p:sldSz cx="12192000" cy="6858000"/>
   <p:notesSz cx="6858000" cy="9144000"/>
@@ -108,6 +113,526 @@
     </a:lvl9pPr>
   </p:defaultTextStyle>
 </p:presentation>
+</file>
+
+<file path=ppt/notesMasters/notesMaster1.xml><?xml version="1.0" encoding="utf-8"?>
+<p:notesMaster xmlns:a="http://schemas.openxmlformats.org/drawingml/2006/main" xmlns:r="http://schemas.openxmlformats.org/officeDocument/2006/relationships" xmlns:p="http://schemas.openxmlformats.org/presentationml/2006/main">
+  <p:cSld>
+    <p:bg>
+      <p:bgRef idx="1001">
+        <a:schemeClr val="bg1"/>
+      </p:bgRef>
+    </p:bg>
+    <p:spTree>
+      <p:nvGrpSpPr>
+        <p:cNvPr id="1" name=""/>
+        <p:cNvGrpSpPr/>
+        <p:nvPr/>
+      </p:nvGrpSpPr>
+      <p:grpSpPr>
+        <a:xfrm>
+          <a:off x="0" y="0"/>
+          <a:ext cx="0" cy="0"/>
+          <a:chOff x="0" y="0"/>
+          <a:chExt cx="0" cy="0"/>
+        </a:xfrm>
+      </p:grpSpPr>
+      <p:sp>
+        <p:nvSpPr>
+          <p:cNvPr id="2" name="Header Placeholder 1"/>
+          <p:cNvSpPr>
+            <a:spLocks noGrp="1"/>
+          </p:cNvSpPr>
+          <p:nvPr>
+            <p:ph type="hdr" sz="quarter"/>
+          </p:nvPr>
+        </p:nvSpPr>
+        <p:spPr>
+          <a:xfrm>
+            <a:off x="0" y="0"/>
+            <a:ext cx="2971800" cy="458788"/>
+          </a:xfrm>
+          <a:prstGeom prst="rect">
+            <a:avLst/>
+          </a:prstGeom>
+        </p:spPr>
+        <p:txBody>
+          <a:bodyPr vert="horz" lIns="91440" tIns="45720" rIns="91440" bIns="45720" rtlCol="0"/>
+          <a:lstStyle>
+            <a:lvl1pPr algn="l">
+              <a:defRPr sz="1200"/>
+            </a:lvl1pPr>
+          </a:lstStyle>
+          <a:p>
+            <a:endParaRPr lang="en-US"/>
+          </a:p>
+        </p:txBody>
+      </p:sp>
+      <p:sp>
+        <p:nvSpPr>
+          <p:cNvPr id="3" name="Date Placeholder 2"/>
+          <p:cNvSpPr>
+            <a:spLocks noGrp="1"/>
+          </p:cNvSpPr>
+          <p:nvPr>
+            <p:ph type="dt" idx="1"/>
+          </p:nvPr>
+        </p:nvSpPr>
+        <p:spPr>
+          <a:xfrm>
+            <a:off x="3884613" y="0"/>
+            <a:ext cx="2971800" cy="458788"/>
+          </a:xfrm>
+          <a:prstGeom prst="rect">
+            <a:avLst/>
+          </a:prstGeom>
+        </p:spPr>
+        <p:txBody>
+          <a:bodyPr vert="horz" lIns="91440" tIns="45720" rIns="91440" bIns="45720" rtlCol="0"/>
+          <a:lstStyle>
+            <a:lvl1pPr algn="r">
+              <a:defRPr sz="1200"/>
+            </a:lvl1pPr>
+          </a:lstStyle>
+          <a:p>
+            <a:fld id="{45DB216D-8BAA-4CE9-ADDA-F14E6D6ADAD2}" type="datetimeFigureOut">
+              <a:rPr lang="en-US" smtClean="0"/>
+              <a:t>3/27/2022</a:t>
+            </a:fld>
+            <a:endParaRPr lang="en-US"/>
+          </a:p>
+        </p:txBody>
+      </p:sp>
+      <p:sp>
+        <p:nvSpPr>
+          <p:cNvPr id="4" name="Slide Image Placeholder 3"/>
+          <p:cNvSpPr>
+            <a:spLocks noGrp="1" noRot="1" noChangeAspect="1"/>
+          </p:cNvSpPr>
+          <p:nvPr>
+            <p:ph type="sldImg" idx="2"/>
+          </p:nvPr>
+        </p:nvSpPr>
+        <p:spPr>
+          <a:xfrm>
+            <a:off x="685800" y="1143000"/>
+            <a:ext cx="5486400" cy="3086100"/>
+          </a:xfrm>
+          <a:prstGeom prst="rect">
+            <a:avLst/>
+          </a:prstGeom>
+          <a:noFill/>
+          <a:ln w="12700">
+            <a:solidFill>
+              <a:prstClr val="black"/>
+            </a:solidFill>
+          </a:ln>
+        </p:spPr>
+        <p:txBody>
+          <a:bodyPr vert="horz" lIns="91440" tIns="45720" rIns="91440" bIns="45720" rtlCol="0" anchor="ctr"/>
+          <a:lstStyle/>
+          <a:p>
+            <a:endParaRPr lang="en-US"/>
+          </a:p>
+        </p:txBody>
+      </p:sp>
+      <p:sp>
+        <p:nvSpPr>
+          <p:cNvPr id="5" name="Notes Placeholder 4"/>
+          <p:cNvSpPr>
+            <a:spLocks noGrp="1"/>
+          </p:cNvSpPr>
+          <p:nvPr>
+            <p:ph type="body" sz="quarter" idx="3"/>
+          </p:nvPr>
+        </p:nvSpPr>
+        <p:spPr>
+          <a:xfrm>
+            <a:off x="685800" y="4400550"/>
+            <a:ext cx="5486400" cy="3600450"/>
+          </a:xfrm>
+          <a:prstGeom prst="rect">
+            <a:avLst/>
+          </a:prstGeom>
+        </p:spPr>
+        <p:txBody>
+          <a:bodyPr vert="horz" lIns="91440" tIns="45720" rIns="91440" bIns="45720" rtlCol="0"/>
+          <a:lstStyle/>
+          <a:p>
+            <a:pPr lvl="0"/>
+            <a:r>
+              <a:rPr lang="en-US"/>
+              <a:t>Click to edit Master text styles</a:t>
+            </a:r>
+          </a:p>
+          <a:p>
+            <a:pPr lvl="1"/>
+            <a:r>
+              <a:rPr lang="en-US"/>
+              <a:t>Second level</a:t>
+            </a:r>
+          </a:p>
+          <a:p>
+            <a:pPr lvl="2"/>
+            <a:r>
+              <a:rPr lang="en-US"/>
+              <a:t>Third level</a:t>
+            </a:r>
+          </a:p>
+          <a:p>
+            <a:pPr lvl="3"/>
+            <a:r>
+              <a:rPr lang="en-US"/>
+              <a:t>Fourth level</a:t>
+            </a:r>
+          </a:p>
+          <a:p>
+            <a:pPr lvl="4"/>
+            <a:r>
+              <a:rPr lang="en-US"/>
+              <a:t>Fifth level</a:t>
+            </a:r>
+          </a:p>
+        </p:txBody>
+      </p:sp>
+      <p:sp>
+        <p:nvSpPr>
+          <p:cNvPr id="6" name="Footer Placeholder 5"/>
+          <p:cNvSpPr>
+            <a:spLocks noGrp="1"/>
+          </p:cNvSpPr>
+          <p:nvPr>
+            <p:ph type="ftr" sz="quarter" idx="4"/>
+          </p:nvPr>
+        </p:nvSpPr>
+        <p:spPr>
+          <a:xfrm>
+            <a:off x="0" y="8685213"/>
+            <a:ext cx="2971800" cy="458787"/>
+          </a:xfrm>
+          <a:prstGeom prst="rect">
+            <a:avLst/>
+          </a:prstGeom>
+        </p:spPr>
+        <p:txBody>
+          <a:bodyPr vert="horz" lIns="91440" tIns="45720" rIns="91440" bIns="45720" rtlCol="0" anchor="b"/>
+          <a:lstStyle>
+            <a:lvl1pPr algn="l">
+              <a:defRPr sz="1200"/>
+            </a:lvl1pPr>
+          </a:lstStyle>
+          <a:p>
+            <a:endParaRPr lang="en-US"/>
+          </a:p>
+        </p:txBody>
+      </p:sp>
+      <p:sp>
+        <p:nvSpPr>
+          <p:cNvPr id="7" name="Slide Number Placeholder 6"/>
+          <p:cNvSpPr>
+            <a:spLocks noGrp="1"/>
+          </p:cNvSpPr>
+          <p:nvPr>
+            <p:ph type="sldNum" sz="quarter" idx="5"/>
+          </p:nvPr>
+        </p:nvSpPr>
+        <p:spPr>
+          <a:xfrm>
+            <a:off x="3884613" y="8685213"/>
+            <a:ext cx="2971800" cy="458787"/>
+          </a:xfrm>
+          <a:prstGeom prst="rect">
+            <a:avLst/>
+          </a:prstGeom>
+        </p:spPr>
+        <p:txBody>
+          <a:bodyPr vert="horz" lIns="91440" tIns="45720" rIns="91440" bIns="45720" rtlCol="0" anchor="b"/>
+          <a:lstStyle>
+            <a:lvl1pPr algn="r">
+              <a:defRPr sz="1200"/>
+            </a:lvl1pPr>
+          </a:lstStyle>
+          <a:p>
+            <a:fld id="{5D86F8C4-C379-464D-97C4-7BCFD82222D9}" type="slidenum">
+              <a:rPr lang="en-US" smtClean="0"/>
+              <a:t>‹#›</a:t>
+            </a:fld>
+            <a:endParaRPr lang="en-US"/>
+          </a:p>
+        </p:txBody>
+      </p:sp>
+    </p:spTree>
+    <p:extLst>
+      <p:ext uri="{BB962C8B-B14F-4D97-AF65-F5344CB8AC3E}">
+        <p14:creationId xmlns:p14="http://schemas.microsoft.com/office/powerpoint/2010/main" val="74638108"/>
+      </p:ext>
+    </p:extLst>
+  </p:cSld>
+  <p:clrMap bg1="lt1" tx1="dk1" bg2="lt2" tx2="dk2" accent1="accent1" accent2="accent2" accent3="accent3" accent4="accent4" accent5="accent5" accent6="accent6" hlink="hlink" folHlink="folHlink"/>
+  <p:notesStyle>
+    <a:lvl1pPr marL="0" algn="l" defTabSz="914400" rtl="0" eaLnBrk="1" latinLnBrk="0" hangingPunct="1">
+      <a:defRPr sz="1200" kern="1200">
+        <a:solidFill>
+          <a:schemeClr val="tx1"/>
+        </a:solidFill>
+        <a:latin typeface="+mn-lt"/>
+        <a:ea typeface="+mn-ea"/>
+        <a:cs typeface="+mn-cs"/>
+      </a:defRPr>
+    </a:lvl1pPr>
+    <a:lvl2pPr marL="457200" algn="l" defTabSz="914400" rtl="0" eaLnBrk="1" latinLnBrk="0" hangingPunct="1">
+      <a:defRPr sz="1200" kern="1200">
+        <a:solidFill>
+          <a:schemeClr val="tx1"/>
+        </a:solidFill>
+        <a:latin typeface="+mn-lt"/>
+        <a:ea typeface="+mn-ea"/>
+        <a:cs typeface="+mn-cs"/>
+      </a:defRPr>
+    </a:lvl2pPr>
+    <a:lvl3pPr marL="914400" algn="l" defTabSz="914400" rtl="0" eaLnBrk="1" latinLnBrk="0" hangingPunct="1">
+      <a:defRPr sz="1200" kern="1200">
+        <a:solidFill>
+          <a:schemeClr val="tx1"/>
+        </a:solidFill>
+        <a:latin typeface="+mn-lt"/>
+        <a:ea typeface="+mn-ea"/>
+        <a:cs typeface="+mn-cs"/>
+      </a:defRPr>
+    </a:lvl3pPr>
+    <a:lvl4pPr marL="1371600" algn="l" defTabSz="914400" rtl="0" eaLnBrk="1" latinLnBrk="0" hangingPunct="1">
+      <a:defRPr sz="1200" kern="1200">
+        <a:solidFill>
+          <a:schemeClr val="tx1"/>
+        </a:solidFill>
+        <a:latin typeface="+mn-lt"/>
+        <a:ea typeface="+mn-ea"/>
+        <a:cs typeface="+mn-cs"/>
+      </a:defRPr>
+    </a:lvl4pPr>
+    <a:lvl5pPr marL="1828800" algn="l" defTabSz="914400" rtl="0" eaLnBrk="1" latinLnBrk="0" hangingPunct="1">
+      <a:defRPr sz="1200" kern="1200">
+        <a:solidFill>
+          <a:schemeClr val="tx1"/>
+        </a:solidFill>
+        <a:latin typeface="+mn-lt"/>
+        <a:ea typeface="+mn-ea"/>
+        <a:cs typeface="+mn-cs"/>
+      </a:defRPr>
+    </a:lvl5pPr>
+    <a:lvl6pPr marL="2286000" algn="l" defTabSz="914400" rtl="0" eaLnBrk="1" latinLnBrk="0" hangingPunct="1">
+      <a:defRPr sz="1200" kern="1200">
+        <a:solidFill>
+          <a:schemeClr val="tx1"/>
+        </a:solidFill>
+        <a:latin typeface="+mn-lt"/>
+        <a:ea typeface="+mn-ea"/>
+        <a:cs typeface="+mn-cs"/>
+      </a:defRPr>
+    </a:lvl6pPr>
+    <a:lvl7pPr marL="2743200" algn="l" defTabSz="914400" rtl="0" eaLnBrk="1" latinLnBrk="0" hangingPunct="1">
+      <a:defRPr sz="1200" kern="1200">
+        <a:solidFill>
+          <a:schemeClr val="tx1"/>
+        </a:solidFill>
+        <a:latin typeface="+mn-lt"/>
+        <a:ea typeface="+mn-ea"/>
+        <a:cs typeface="+mn-cs"/>
+      </a:defRPr>
+    </a:lvl7pPr>
+    <a:lvl8pPr marL="3200400" algn="l" defTabSz="914400" rtl="0" eaLnBrk="1" latinLnBrk="0" hangingPunct="1">
+      <a:defRPr sz="1200" kern="1200">
+        <a:solidFill>
+          <a:schemeClr val="tx1"/>
+        </a:solidFill>
+        <a:latin typeface="+mn-lt"/>
+        <a:ea typeface="+mn-ea"/>
+        <a:cs typeface="+mn-cs"/>
+      </a:defRPr>
+    </a:lvl8pPr>
+    <a:lvl9pPr marL="3657600" algn="l" defTabSz="914400" rtl="0" eaLnBrk="1" latinLnBrk="0" hangingPunct="1">
+      <a:defRPr sz="1200" kern="1200">
+        <a:solidFill>
+          <a:schemeClr val="tx1"/>
+        </a:solidFill>
+        <a:latin typeface="+mn-lt"/>
+        <a:ea typeface="+mn-ea"/>
+        <a:cs typeface="+mn-cs"/>
+      </a:defRPr>
+    </a:lvl9pPr>
+  </p:notesStyle>
+</p:notesMaster>
+</file>
+
+<file path=ppt/notesSlides/notesSlide1.xml><?xml version="1.0" encoding="utf-8"?>
+<p:notes xmlns:a="http://schemas.openxmlformats.org/drawingml/2006/main" xmlns:r="http://schemas.openxmlformats.org/officeDocument/2006/relationships" xmlns:p="http://schemas.openxmlformats.org/presentationml/2006/main">
+  <p:cSld>
+    <p:spTree>
+      <p:nvGrpSpPr>
+        <p:cNvPr id="1" name=""/>
+        <p:cNvGrpSpPr/>
+        <p:nvPr/>
+      </p:nvGrpSpPr>
+      <p:grpSpPr>
+        <a:xfrm>
+          <a:off x="0" y="0"/>
+          <a:ext cx="0" cy="0"/>
+          <a:chOff x="0" y="0"/>
+          <a:chExt cx="0" cy="0"/>
+        </a:xfrm>
+      </p:grpSpPr>
+      <p:sp>
+        <p:nvSpPr>
+          <p:cNvPr id="2" name="Slide Image Placeholder 1"/>
+          <p:cNvSpPr>
+            <a:spLocks noGrp="1" noRot="1" noChangeAspect="1"/>
+          </p:cNvSpPr>
+          <p:nvPr>
+            <p:ph type="sldImg"/>
+          </p:nvPr>
+        </p:nvSpPr>
+        <p:spPr/>
+      </p:sp>
+      <p:sp>
+        <p:nvSpPr>
+          <p:cNvPr id="3" name="Notes Placeholder 2"/>
+          <p:cNvSpPr>
+            <a:spLocks noGrp="1"/>
+          </p:cNvSpPr>
+          <p:nvPr>
+            <p:ph type="body" idx="1"/>
+          </p:nvPr>
+        </p:nvSpPr>
+        <p:spPr/>
+        <p:txBody>
+          <a:bodyPr/>
+          <a:lstStyle/>
+          <a:p>
+            <a:r>
+              <a:rPr lang="en-US" dirty="0"/>
+              <a:t>Introduction: We are taking the skill level for the first 3 weeks of playing the game and observing, after 3 weeks of gameplay, what value the player’s skill level has reached, and whether or not that skill level is associated with increasing drug efficacy after those 3 weeks, as measured by the Section 5 Self-Efficacy for drug use resistance. This tells us the learning rate/pace for every student and how the game is accommodating these learning rates.</a:t>
+            </a:r>
+          </a:p>
+        </p:txBody>
+      </p:sp>
+      <p:sp>
+        <p:nvSpPr>
+          <p:cNvPr id="4" name="Slide Number Placeholder 3"/>
+          <p:cNvSpPr>
+            <a:spLocks noGrp="1"/>
+          </p:cNvSpPr>
+          <p:nvPr>
+            <p:ph type="sldNum" sz="quarter" idx="5"/>
+          </p:nvPr>
+        </p:nvSpPr>
+        <p:spPr/>
+        <p:txBody>
+          <a:bodyPr/>
+          <a:lstStyle/>
+          <a:p>
+            <a:fld id="{5D86F8C4-C379-464D-97C4-7BCFD82222D9}" type="slidenum">
+              <a:rPr lang="en-US" smtClean="0"/>
+              <a:t>2</a:t>
+            </a:fld>
+            <a:endParaRPr lang="en-US"/>
+          </a:p>
+        </p:txBody>
+      </p:sp>
+    </p:spTree>
+    <p:extLst>
+      <p:ext uri="{BB962C8B-B14F-4D97-AF65-F5344CB8AC3E}">
+        <p14:creationId xmlns:p14="http://schemas.microsoft.com/office/powerpoint/2010/main" val="2507256289"/>
+      </p:ext>
+    </p:extLst>
+  </p:cSld>
+  <p:clrMapOvr>
+    <a:masterClrMapping/>
+  </p:clrMapOvr>
+</p:notes>
+</file>
+
+<file path=ppt/notesSlides/notesSlide2.xml><?xml version="1.0" encoding="utf-8"?>
+<p:notes xmlns:a="http://schemas.openxmlformats.org/drawingml/2006/main" xmlns:r="http://schemas.openxmlformats.org/officeDocument/2006/relationships" xmlns:p="http://schemas.openxmlformats.org/presentationml/2006/main">
+  <p:cSld>
+    <p:spTree>
+      <p:nvGrpSpPr>
+        <p:cNvPr id="1" name=""/>
+        <p:cNvGrpSpPr/>
+        <p:nvPr/>
+      </p:nvGrpSpPr>
+      <p:grpSpPr>
+        <a:xfrm>
+          <a:off x="0" y="0"/>
+          <a:ext cx="0" cy="0"/>
+          <a:chOff x="0" y="0"/>
+          <a:chExt cx="0" cy="0"/>
+        </a:xfrm>
+      </p:grpSpPr>
+      <p:sp>
+        <p:nvSpPr>
+          <p:cNvPr id="2" name="Slide Image Placeholder 1"/>
+          <p:cNvSpPr>
+            <a:spLocks noGrp="1" noRot="1" noChangeAspect="1"/>
+          </p:cNvSpPr>
+          <p:nvPr>
+            <p:ph type="sldImg"/>
+          </p:nvPr>
+        </p:nvSpPr>
+        <p:spPr/>
+      </p:sp>
+      <p:sp>
+        <p:nvSpPr>
+          <p:cNvPr id="3" name="Notes Placeholder 2"/>
+          <p:cNvSpPr>
+            <a:spLocks noGrp="1"/>
+          </p:cNvSpPr>
+          <p:nvPr>
+            <p:ph type="body" idx="1"/>
+          </p:nvPr>
+        </p:nvSpPr>
+        <p:spPr/>
+        <p:txBody>
+          <a:bodyPr/>
+          <a:lstStyle/>
+          <a:p>
+            <a:endParaRPr lang="en-US" dirty="0"/>
+          </a:p>
+        </p:txBody>
+      </p:sp>
+      <p:sp>
+        <p:nvSpPr>
+          <p:cNvPr id="4" name="Slide Number Placeholder 3"/>
+          <p:cNvSpPr>
+            <a:spLocks noGrp="1"/>
+          </p:cNvSpPr>
+          <p:nvPr>
+            <p:ph type="sldNum" sz="quarter" idx="5"/>
+          </p:nvPr>
+        </p:nvSpPr>
+        <p:spPr/>
+        <p:txBody>
+          <a:bodyPr/>
+          <a:lstStyle/>
+          <a:p>
+            <a:fld id="{5D86F8C4-C379-464D-97C4-7BCFD82222D9}" type="slidenum">
+              <a:rPr lang="en-US" smtClean="0"/>
+              <a:t>3</a:t>
+            </a:fld>
+            <a:endParaRPr lang="en-US"/>
+          </a:p>
+        </p:txBody>
+      </p:sp>
+    </p:spTree>
+    <p:extLst>
+      <p:ext uri="{BB962C8B-B14F-4D97-AF65-F5344CB8AC3E}">
+        <p14:creationId xmlns:p14="http://schemas.microsoft.com/office/powerpoint/2010/main" val="2196231552"/>
+      </p:ext>
+    </p:extLst>
+  </p:cSld>
+  <p:clrMapOvr>
+    <a:masterClrMapping/>
+  </p:clrMapOvr>
+</p:notes>
 </file>
 
 <file path=ppt/slideLayouts/slideLayout1.xml><?xml version="1.0" encoding="utf-8"?>
@@ -5385,16 +5910,18 @@
         <p:spPr>
           <a:xfrm>
             <a:off x="684212" y="725556"/>
-            <a:ext cx="8001000" cy="1679713"/>
+            <a:ext cx="8334058" cy="1679713"/>
           </a:xfrm>
         </p:spPr>
         <p:txBody>
-          <a:bodyPr/>
+          <a:bodyPr>
+            <a:normAutofit fontScale="90000"/>
+          </a:bodyPr>
           <a:lstStyle/>
           <a:p>
             <a:r>
               <a:rPr lang="en-US" dirty="0"/>
-              <a:t>Grand Wham</a:t>
+              <a:t>Grand Wham Presentation</a:t>
             </a:r>
             <a:br>
               <a:rPr lang="en-US" dirty="0"/>
@@ -5564,14 +6091,17 @@
         <p:spPr>
           <a:xfrm>
             <a:off x="511492" y="535092"/>
-            <a:ext cx="8534400" cy="1507067"/>
+            <a:ext cx="8534400" cy="1026161"/>
           </a:xfrm>
         </p:spPr>
         <p:txBody>
           <a:bodyPr/>
           <a:lstStyle/>
           <a:p>
-            <a:endParaRPr lang="en-US" dirty="0"/>
+            <a:r>
+              <a:rPr lang="en-US" dirty="0"/>
+              <a:t>Data Visualization</a:t>
+            </a:r>
           </a:p>
         </p:txBody>
       </p:sp>
@@ -5593,15 +6123,89 @@
         </p:nvSpPr>
         <p:spPr>
           <a:xfrm>
-            <a:off x="511492" y="2413000"/>
-            <a:ext cx="8534400" cy="3615267"/>
+            <a:off x="511492" y="1866052"/>
+            <a:ext cx="5340668" cy="3368888"/>
           </a:xfrm>
         </p:spPr>
         <p:txBody>
-          <a:bodyPr/>
-          <a:lstStyle/>
-          <a:p>
-            <a:endParaRPr lang="en-US" dirty="0"/>
+          <a:bodyPr>
+            <a:normAutofit/>
+          </a:bodyPr>
+          <a:lstStyle/>
+          <a:p>
+            <a:r>
+              <a:rPr lang="en-US" sz="2800" dirty="0">
+                <a:solidFill>
+                  <a:schemeClr val="tx1"/>
+                </a:solidFill>
+              </a:rPr>
+              <a:t>As skill level increases, the efficacy increases. A high efficacy indicates a high chance of refusing peer-offered drugs and alcohol by students.</a:t>
+            </a:r>
+          </a:p>
+        </p:txBody>
+      </p:sp>
+      <p:pic>
+        <p:nvPicPr>
+          <p:cNvPr id="5" name="Picture 4">
+            <a:extLst>
+              <a:ext uri="{FF2B5EF4-FFF2-40B4-BE49-F238E27FC236}">
+                <a16:creationId xmlns:a16="http://schemas.microsoft.com/office/drawing/2014/main" id="{4A0A17AA-E168-41C2-9DAC-D19447E1CDD8}"/>
+              </a:ext>
+            </a:extLst>
+          </p:cNvPr>
+          <p:cNvPicPr>
+            <a:picLocks noChangeAspect="1"/>
+          </p:cNvPicPr>
+          <p:nvPr/>
+        </p:nvPicPr>
+        <p:blipFill>
+          <a:blip r:embed="rId3"/>
+          <a:stretch>
+            <a:fillRect/>
+          </a:stretch>
+        </p:blipFill>
+        <p:spPr>
+          <a:xfrm>
+            <a:off x="5852160" y="230293"/>
+            <a:ext cx="6153150" cy="5143500"/>
+          </a:xfrm>
+          <a:prstGeom prst="rect">
+            <a:avLst/>
+          </a:prstGeom>
+        </p:spPr>
+      </p:pic>
+      <p:sp>
+        <p:nvSpPr>
+          <p:cNvPr id="8" name="TextBox 7">
+            <a:extLst>
+              <a:ext uri="{FF2B5EF4-FFF2-40B4-BE49-F238E27FC236}">
+                <a16:creationId xmlns:a16="http://schemas.microsoft.com/office/drawing/2014/main" id="{8475496E-EC6A-4AAA-AB68-3040C40E1964}"/>
+              </a:ext>
+            </a:extLst>
+          </p:cNvPr>
+          <p:cNvSpPr txBox="1"/>
+          <p:nvPr/>
+        </p:nvSpPr>
+        <p:spPr>
+          <a:xfrm>
+            <a:off x="6096000" y="5678592"/>
+            <a:ext cx="3506526" cy="523220"/>
+          </a:xfrm>
+          <a:prstGeom prst="rect">
+            <a:avLst/>
+          </a:prstGeom>
+          <a:noFill/>
+        </p:spPr>
+        <p:txBody>
+          <a:bodyPr wrap="square" rtlCol="0">
+            <a:spAutoFit/>
+          </a:bodyPr>
+          <a:lstStyle/>
+          <a:p>
+            <a:r>
+              <a:rPr lang="en-US" sz="2800" dirty="0"/>
+              <a:t>Correlation = 0.12</a:t>
+            </a:r>
           </a:p>
         </p:txBody>
       </p:sp>
@@ -5640,7 +6244,7 @@
           <p:cNvPr id="2" name="Title 1">
             <a:extLst>
               <a:ext uri="{FF2B5EF4-FFF2-40B4-BE49-F238E27FC236}">
-                <a16:creationId xmlns:a16="http://schemas.microsoft.com/office/drawing/2014/main" id="{9F1AF4C9-B9DE-48F7-939F-DA7C7F2385D4}"/>
+                <a16:creationId xmlns:a16="http://schemas.microsoft.com/office/drawing/2014/main" id="{4CEC4B4C-34A7-4D1C-B878-98ABC0FAA4F5}"/>
               </a:ext>
             </a:extLst>
           </p:cNvPr>
@@ -5653,15 +6257,18 @@
         </p:nvSpPr>
         <p:spPr>
           <a:xfrm>
-            <a:off x="531812" y="501740"/>
-            <a:ext cx="8534400" cy="1507067"/>
+            <a:off x="511492" y="535092"/>
+            <a:ext cx="8534400" cy="1026161"/>
           </a:xfrm>
         </p:spPr>
         <p:txBody>
           <a:bodyPr/>
           <a:lstStyle/>
           <a:p>
-            <a:endParaRPr lang="en-US"/>
+            <a:r>
+              <a:rPr lang="en-US" dirty="0"/>
+              <a:t>T-Test slide</a:t>
+            </a:r>
           </a:p>
         </p:txBody>
       </p:sp>
@@ -5670,7 +6277,7 @@
           <p:cNvPr id="3" name="Content Placeholder 2">
             <a:extLst>
               <a:ext uri="{FF2B5EF4-FFF2-40B4-BE49-F238E27FC236}">
-                <a16:creationId xmlns:a16="http://schemas.microsoft.com/office/drawing/2014/main" id="{6DF3DB13-5D70-4FCE-B408-0827C50B0FCE}"/>
+                <a16:creationId xmlns:a16="http://schemas.microsoft.com/office/drawing/2014/main" id="{C69919E2-005F-4068-B93C-6D9CFD59D53E}"/>
               </a:ext>
             </a:extLst>
           </p:cNvPr>
@@ -5683,22 +6290,98 @@
         </p:nvSpPr>
         <p:spPr>
           <a:xfrm>
-            <a:off x="531812" y="2415208"/>
-            <a:ext cx="8534400" cy="3615267"/>
+            <a:off x="511491" y="1597355"/>
+            <a:ext cx="11591393" cy="1759226"/>
           </a:xfrm>
         </p:spPr>
         <p:txBody>
-          <a:bodyPr/>
-          <a:lstStyle/>
-          <a:p>
-            <a:endParaRPr lang="en-US"/>
-          </a:p>
-        </p:txBody>
-      </p:sp>
+          <a:bodyPr>
+            <a:normAutofit fontScale="92500"/>
+          </a:bodyPr>
+          <a:lstStyle/>
+          <a:p>
+            <a:r>
+              <a:rPr lang="en-US" sz="2400" dirty="0">
+                <a:solidFill>
+                  <a:schemeClr val="tx1"/>
+                </a:solidFill>
+              </a:rPr>
+              <a:t>Null hypothesis: The skill level mean is equal to 0.</a:t>
+            </a:r>
+          </a:p>
+          <a:p>
+            <a:r>
+              <a:rPr lang="en-US" sz="2400" dirty="0">
+                <a:solidFill>
+                  <a:schemeClr val="tx1"/>
+                </a:solidFill>
+              </a:rPr>
+              <a:t>Alternative hypothesis: The skill level mean is greater than 0. (matched-pairs test)</a:t>
+            </a:r>
+          </a:p>
+          <a:p>
+            <a:r>
+              <a:rPr lang="en-US" sz="2400" dirty="0">
+                <a:solidFill>
+                  <a:schemeClr val="tx1"/>
+                </a:solidFill>
+              </a:rPr>
+              <a:t>We fail to reject the null hypothesis. There is insufficient evidence to prove the skill level mean after an efficacy period of 3 weeks is greater than 0.</a:t>
+            </a:r>
+          </a:p>
+        </p:txBody>
+      </p:sp>
+      <p:pic>
+        <p:nvPicPr>
+          <p:cNvPr id="1026" name="Picture 2">
+            <a:extLst>
+              <a:ext uri="{FF2B5EF4-FFF2-40B4-BE49-F238E27FC236}">
+                <a16:creationId xmlns:a16="http://schemas.microsoft.com/office/drawing/2014/main" id="{03A1998C-15C1-42B0-8078-1386D1BEAEBA}"/>
+              </a:ext>
+            </a:extLst>
+          </p:cNvPr>
+          <p:cNvPicPr>
+            <a:picLocks noChangeAspect="1" noChangeArrowheads="1"/>
+          </p:cNvPicPr>
+          <p:nvPr/>
+        </p:nvPicPr>
+        <p:blipFill>
+          <a:blip r:embed="rId3">
+            <a:extLst>
+              <a:ext uri="{28A0092B-C50C-407E-A947-70E740481C1C}">
+                <a14:useLocalDpi xmlns:a14="http://schemas.microsoft.com/office/drawing/2010/main" val="0"/>
+              </a:ext>
+            </a:extLst>
+          </a:blip>
+          <a:srcRect/>
+          <a:stretch>
+            <a:fillRect/>
+          </a:stretch>
+        </p:blipFill>
+        <p:spPr bwMode="auto">
+          <a:xfrm>
+            <a:off x="2064065" y="3429000"/>
+            <a:ext cx="8063870" cy="3279084"/>
+          </a:xfrm>
+          <a:prstGeom prst="rect">
+            <a:avLst/>
+          </a:prstGeom>
+          <a:noFill/>
+          <a:extLst>
+            <a:ext uri="{909E8E84-426E-40DD-AFC4-6F175D3DCCD1}">
+              <a14:hiddenFill xmlns:a14="http://schemas.microsoft.com/office/drawing/2010/main">
+                <a:solidFill>
+                  <a:srgbClr val="FFFFFF"/>
+                </a:solidFill>
+              </a14:hiddenFill>
+            </a:ext>
+          </a:extLst>
+        </p:spPr>
+      </p:pic>
     </p:spTree>
     <p:extLst>
       <p:ext uri="{BB962C8B-B14F-4D97-AF65-F5344CB8AC3E}">
-        <p14:creationId xmlns:p14="http://schemas.microsoft.com/office/powerpoint/2010/main" val="214483348"/>
+        <p14:creationId xmlns:p14="http://schemas.microsoft.com/office/powerpoint/2010/main" val="2727981533"/>
       </p:ext>
     </p:extLst>
   </p:cSld>
@@ -5730,6 +6413,512 @@
           <p:cNvPr id="2" name="Title 1">
             <a:extLst>
               <a:ext uri="{FF2B5EF4-FFF2-40B4-BE49-F238E27FC236}">
+                <a16:creationId xmlns:a16="http://schemas.microsoft.com/office/drawing/2014/main" id="{C3181B6E-D7D1-473A-87A8-AD88B89A7DCB}"/>
+              </a:ext>
+            </a:extLst>
+          </p:cNvPr>
+          <p:cNvSpPr>
+            <a:spLocks noGrp="1"/>
+          </p:cNvSpPr>
+          <p:nvPr>
+            <p:ph type="title"/>
+          </p:nvPr>
+        </p:nvSpPr>
+        <p:spPr>
+          <a:xfrm>
+            <a:off x="249099" y="193040"/>
+            <a:ext cx="8534400" cy="595242"/>
+          </a:xfrm>
+        </p:spPr>
+        <p:txBody>
+          <a:bodyPr>
+            <a:normAutofit fontScale="90000"/>
+          </a:bodyPr>
+          <a:lstStyle/>
+          <a:p>
+            <a:r>
+              <a:rPr lang="en-US" dirty="0"/>
+              <a:t>Data Visualization (cont’d)</a:t>
+            </a:r>
+          </a:p>
+        </p:txBody>
+      </p:sp>
+      <p:pic>
+        <p:nvPicPr>
+          <p:cNvPr id="4" name="Picture 3">
+            <a:extLst>
+              <a:ext uri="{FF2B5EF4-FFF2-40B4-BE49-F238E27FC236}">
+                <a16:creationId xmlns:a16="http://schemas.microsoft.com/office/drawing/2014/main" id="{BE68C381-6053-4B47-B5C0-FFD7F02B6D83}"/>
+              </a:ext>
+            </a:extLst>
+          </p:cNvPr>
+          <p:cNvPicPr>
+            <a:picLocks noChangeAspect="1"/>
+          </p:cNvPicPr>
+          <p:nvPr/>
+        </p:nvPicPr>
+        <p:blipFill>
+          <a:blip r:embed="rId2"/>
+          <a:stretch>
+            <a:fillRect/>
+          </a:stretch>
+        </p:blipFill>
+        <p:spPr>
+          <a:xfrm>
+            <a:off x="142461" y="889874"/>
+            <a:ext cx="9191308" cy="5909248"/>
+          </a:xfrm>
+          <a:prstGeom prst="rect">
+            <a:avLst/>
+          </a:prstGeom>
+        </p:spPr>
+      </p:pic>
+      <p:sp>
+        <p:nvSpPr>
+          <p:cNvPr id="6" name="TextBox 5">
+            <a:extLst>
+              <a:ext uri="{FF2B5EF4-FFF2-40B4-BE49-F238E27FC236}">
+                <a16:creationId xmlns:a16="http://schemas.microsoft.com/office/drawing/2014/main" id="{96FE44E6-E52B-4AE6-8DBF-DB6EEE4A81BD}"/>
+              </a:ext>
+            </a:extLst>
+          </p:cNvPr>
+          <p:cNvSpPr txBox="1"/>
+          <p:nvPr/>
+        </p:nvSpPr>
+        <p:spPr>
+          <a:xfrm>
+            <a:off x="606926" y="1383644"/>
+            <a:ext cx="2888932" cy="830997"/>
+          </a:xfrm>
+          <a:prstGeom prst="rect">
+            <a:avLst/>
+          </a:prstGeom>
+          <a:noFill/>
+        </p:spPr>
+        <p:txBody>
+          <a:bodyPr wrap="none" rtlCol="0">
+            <a:spAutoFit/>
+          </a:bodyPr>
+          <a:lstStyle/>
+          <a:p>
+            <a:r>
+              <a:rPr lang="en-US" sz="4800" dirty="0">
+                <a:solidFill>
+                  <a:schemeClr val="bg1"/>
+                </a:solidFill>
+              </a:rPr>
+              <a:t>A = 0.178</a:t>
+            </a:r>
+            <a:endParaRPr lang="en-US" dirty="0">
+              <a:solidFill>
+                <a:schemeClr val="bg1"/>
+              </a:solidFill>
+            </a:endParaRPr>
+          </a:p>
+        </p:txBody>
+      </p:sp>
+      <p:sp>
+        <p:nvSpPr>
+          <p:cNvPr id="7" name="TextBox 6">
+            <a:extLst>
+              <a:ext uri="{FF2B5EF4-FFF2-40B4-BE49-F238E27FC236}">
+                <a16:creationId xmlns:a16="http://schemas.microsoft.com/office/drawing/2014/main" id="{AB213984-B991-491C-B380-FCF00F546625}"/>
+              </a:ext>
+            </a:extLst>
+          </p:cNvPr>
+          <p:cNvSpPr txBox="1"/>
+          <p:nvPr/>
+        </p:nvSpPr>
+        <p:spPr>
+          <a:xfrm>
+            <a:off x="5529557" y="1383643"/>
+            <a:ext cx="2787943" cy="830997"/>
+          </a:xfrm>
+          <a:prstGeom prst="rect">
+            <a:avLst/>
+          </a:prstGeom>
+          <a:noFill/>
+        </p:spPr>
+        <p:txBody>
+          <a:bodyPr wrap="none" rtlCol="0">
+            <a:spAutoFit/>
+          </a:bodyPr>
+          <a:lstStyle/>
+          <a:p>
+            <a:r>
+              <a:rPr lang="en-US" sz="4800" dirty="0">
+                <a:solidFill>
+                  <a:schemeClr val="bg1"/>
+                </a:solidFill>
+              </a:rPr>
+              <a:t>B = 0.158</a:t>
+            </a:r>
+            <a:endParaRPr lang="en-US" dirty="0">
+              <a:solidFill>
+                <a:schemeClr val="bg1"/>
+              </a:solidFill>
+            </a:endParaRPr>
+          </a:p>
+        </p:txBody>
+      </p:sp>
+      <p:sp>
+        <p:nvSpPr>
+          <p:cNvPr id="8" name="TextBox 7">
+            <a:extLst>
+              <a:ext uri="{FF2B5EF4-FFF2-40B4-BE49-F238E27FC236}">
+                <a16:creationId xmlns:a16="http://schemas.microsoft.com/office/drawing/2014/main" id="{3171C006-B62B-4838-A719-45AB81203562}"/>
+              </a:ext>
+            </a:extLst>
+          </p:cNvPr>
+          <p:cNvSpPr txBox="1"/>
+          <p:nvPr/>
+        </p:nvSpPr>
+        <p:spPr>
+          <a:xfrm>
+            <a:off x="646044" y="3013501"/>
+            <a:ext cx="2933816" cy="830997"/>
+          </a:xfrm>
+          <a:prstGeom prst="rect">
+            <a:avLst/>
+          </a:prstGeom>
+          <a:noFill/>
+        </p:spPr>
+        <p:txBody>
+          <a:bodyPr wrap="none" rtlCol="0">
+            <a:spAutoFit/>
+          </a:bodyPr>
+          <a:lstStyle/>
+          <a:p>
+            <a:r>
+              <a:rPr lang="en-US" sz="4800" dirty="0">
+                <a:solidFill>
+                  <a:schemeClr val="bg1"/>
+                </a:solidFill>
+              </a:rPr>
+              <a:t>C = 0.169</a:t>
+            </a:r>
+            <a:endParaRPr lang="en-US" dirty="0">
+              <a:solidFill>
+                <a:schemeClr val="bg1"/>
+              </a:solidFill>
+            </a:endParaRPr>
+          </a:p>
+        </p:txBody>
+      </p:sp>
+      <p:sp>
+        <p:nvSpPr>
+          <p:cNvPr id="9" name="TextBox 8">
+            <a:extLst>
+              <a:ext uri="{FF2B5EF4-FFF2-40B4-BE49-F238E27FC236}">
+                <a16:creationId xmlns:a16="http://schemas.microsoft.com/office/drawing/2014/main" id="{49BFD921-D58D-43AF-ABE9-2274CF883ABF}"/>
+              </a:ext>
+            </a:extLst>
+          </p:cNvPr>
+          <p:cNvSpPr txBox="1"/>
+          <p:nvPr/>
+        </p:nvSpPr>
+        <p:spPr>
+          <a:xfrm>
+            <a:off x="697815" y="4901960"/>
+            <a:ext cx="2763898" cy="830997"/>
+          </a:xfrm>
+          <a:prstGeom prst="rect">
+            <a:avLst/>
+          </a:prstGeom>
+          <a:noFill/>
+        </p:spPr>
+        <p:txBody>
+          <a:bodyPr wrap="none" rtlCol="0">
+            <a:spAutoFit/>
+          </a:bodyPr>
+          <a:lstStyle/>
+          <a:p>
+            <a:r>
+              <a:rPr lang="en-US" sz="4800" dirty="0">
+                <a:solidFill>
+                  <a:schemeClr val="bg1"/>
+                </a:solidFill>
+              </a:rPr>
+              <a:t>E = 0.208</a:t>
+            </a:r>
+            <a:endParaRPr lang="en-US" dirty="0">
+              <a:solidFill>
+                <a:schemeClr val="bg1"/>
+              </a:solidFill>
+            </a:endParaRPr>
+          </a:p>
+        </p:txBody>
+      </p:sp>
+      <p:sp>
+        <p:nvSpPr>
+          <p:cNvPr id="10" name="TextBox 9">
+            <a:extLst>
+              <a:ext uri="{FF2B5EF4-FFF2-40B4-BE49-F238E27FC236}">
+                <a16:creationId xmlns:a16="http://schemas.microsoft.com/office/drawing/2014/main" id="{36EC6F85-883B-4E13-BD3A-93AE2D26B0B7}"/>
+              </a:ext>
+            </a:extLst>
+          </p:cNvPr>
+          <p:cNvSpPr txBox="1"/>
+          <p:nvPr/>
+        </p:nvSpPr>
+        <p:spPr>
+          <a:xfrm>
+            <a:off x="5185174" y="3013501"/>
+            <a:ext cx="2892138" cy="830997"/>
+          </a:xfrm>
+          <a:prstGeom prst="rect">
+            <a:avLst/>
+          </a:prstGeom>
+          <a:noFill/>
+        </p:spPr>
+        <p:txBody>
+          <a:bodyPr wrap="none" rtlCol="0">
+            <a:spAutoFit/>
+          </a:bodyPr>
+          <a:lstStyle/>
+          <a:p>
+            <a:r>
+              <a:rPr lang="en-US" sz="4800" dirty="0">
+                <a:solidFill>
+                  <a:schemeClr val="bg1"/>
+                </a:solidFill>
+              </a:rPr>
+              <a:t>D = 0.152</a:t>
+            </a:r>
+            <a:endParaRPr lang="en-US" dirty="0">
+              <a:solidFill>
+                <a:schemeClr val="bg1"/>
+              </a:solidFill>
+            </a:endParaRPr>
+          </a:p>
+        </p:txBody>
+      </p:sp>
+      <p:sp>
+        <p:nvSpPr>
+          <p:cNvPr id="11" name="TextBox 10">
+            <a:extLst>
+              <a:ext uri="{FF2B5EF4-FFF2-40B4-BE49-F238E27FC236}">
+                <a16:creationId xmlns:a16="http://schemas.microsoft.com/office/drawing/2014/main" id="{CE92BE7B-B655-420A-9297-F429EAAB4CD3}"/>
+              </a:ext>
+            </a:extLst>
+          </p:cNvPr>
+          <p:cNvSpPr txBox="1"/>
+          <p:nvPr/>
+        </p:nvSpPr>
+        <p:spPr>
+          <a:xfrm>
+            <a:off x="5286163" y="4901961"/>
+            <a:ext cx="2731838" cy="830997"/>
+          </a:xfrm>
+          <a:prstGeom prst="rect">
+            <a:avLst/>
+          </a:prstGeom>
+          <a:noFill/>
+        </p:spPr>
+        <p:txBody>
+          <a:bodyPr wrap="none" rtlCol="0">
+            <a:spAutoFit/>
+          </a:bodyPr>
+          <a:lstStyle/>
+          <a:p>
+            <a:r>
+              <a:rPr lang="en-US" sz="4800" dirty="0">
+                <a:solidFill>
+                  <a:schemeClr val="bg1"/>
+                </a:solidFill>
+              </a:rPr>
+              <a:t>F = 0.175</a:t>
+            </a:r>
+            <a:endParaRPr lang="en-US" dirty="0">
+              <a:solidFill>
+                <a:schemeClr val="bg1"/>
+              </a:solidFill>
+            </a:endParaRPr>
+          </a:p>
+        </p:txBody>
+      </p:sp>
+      <p:sp>
+        <p:nvSpPr>
+          <p:cNvPr id="12" name="TextBox 11">
+            <a:extLst>
+              <a:ext uri="{FF2B5EF4-FFF2-40B4-BE49-F238E27FC236}">
+                <a16:creationId xmlns:a16="http://schemas.microsoft.com/office/drawing/2014/main" id="{FE4AA836-FD0A-4EDE-8A2A-D4E289A34562}"/>
+              </a:ext>
+            </a:extLst>
+          </p:cNvPr>
+          <p:cNvSpPr txBox="1"/>
+          <p:nvPr/>
+        </p:nvSpPr>
+        <p:spPr>
+          <a:xfrm>
+            <a:off x="2637614" y="788282"/>
+            <a:ext cx="3751348" cy="830997"/>
+          </a:xfrm>
+          <a:prstGeom prst="rect">
+            <a:avLst/>
+          </a:prstGeom>
+          <a:noFill/>
+        </p:spPr>
+        <p:txBody>
+          <a:bodyPr wrap="none" rtlCol="0">
+            <a:spAutoFit/>
+          </a:bodyPr>
+          <a:lstStyle/>
+          <a:p>
+            <a:r>
+              <a:rPr lang="en-US" sz="4800" dirty="0">
+                <a:solidFill>
+                  <a:schemeClr val="bg1"/>
+                </a:solidFill>
+              </a:rPr>
+              <a:t>Correlations</a:t>
+            </a:r>
+            <a:endParaRPr lang="en-US" dirty="0">
+              <a:solidFill>
+                <a:schemeClr val="bg1"/>
+              </a:solidFill>
+            </a:endParaRPr>
+          </a:p>
+        </p:txBody>
+      </p:sp>
+    </p:spTree>
+    <p:extLst>
+      <p:ext uri="{BB962C8B-B14F-4D97-AF65-F5344CB8AC3E}">
+        <p14:creationId xmlns:p14="http://schemas.microsoft.com/office/powerpoint/2010/main" val="847123957"/>
+      </p:ext>
+    </p:extLst>
+  </p:cSld>
+  <p:clrMapOvr>
+    <a:masterClrMapping/>
+  </p:clrMapOvr>
+</p:sld>
+</file>
+
+<file path=ppt/slides/slide5.xml><?xml version="1.0" encoding="utf-8"?>
+<p:sld xmlns:a="http://schemas.openxmlformats.org/drawingml/2006/main" xmlns:r="http://schemas.openxmlformats.org/officeDocument/2006/relationships" xmlns:p="http://schemas.openxmlformats.org/presentationml/2006/main">
+  <p:cSld>
+    <p:spTree>
+      <p:nvGrpSpPr>
+        <p:cNvPr id="1" name=""/>
+        <p:cNvGrpSpPr/>
+        <p:nvPr/>
+      </p:nvGrpSpPr>
+      <p:grpSpPr>
+        <a:xfrm>
+          <a:off x="0" y="0"/>
+          <a:ext cx="0" cy="0"/>
+          <a:chOff x="0" y="0"/>
+          <a:chExt cx="0" cy="0"/>
+        </a:xfrm>
+      </p:grpSpPr>
+      <p:sp>
+        <p:nvSpPr>
+          <p:cNvPr id="2" name="Title 1">
+            <a:extLst>
+              <a:ext uri="{FF2B5EF4-FFF2-40B4-BE49-F238E27FC236}">
+                <a16:creationId xmlns:a16="http://schemas.microsoft.com/office/drawing/2014/main" id="{9F1AF4C9-B9DE-48F7-939F-DA7C7F2385D4}"/>
+              </a:ext>
+            </a:extLst>
+          </p:cNvPr>
+          <p:cNvSpPr>
+            <a:spLocks noGrp="1"/>
+          </p:cNvSpPr>
+          <p:nvPr>
+            <p:ph type="title"/>
+          </p:nvPr>
+        </p:nvSpPr>
+        <p:spPr>
+          <a:xfrm>
+            <a:off x="531812" y="501740"/>
+            <a:ext cx="8534400" cy="1507067"/>
+          </a:xfrm>
+        </p:spPr>
+        <p:txBody>
+          <a:bodyPr/>
+          <a:lstStyle/>
+          <a:p>
+            <a:r>
+              <a:rPr lang="en-US" dirty="0"/>
+              <a:t>Analysis</a:t>
+            </a:r>
+          </a:p>
+        </p:txBody>
+      </p:sp>
+      <p:sp>
+        <p:nvSpPr>
+          <p:cNvPr id="3" name="Content Placeholder 2">
+            <a:extLst>
+              <a:ext uri="{FF2B5EF4-FFF2-40B4-BE49-F238E27FC236}">
+                <a16:creationId xmlns:a16="http://schemas.microsoft.com/office/drawing/2014/main" id="{6DF3DB13-5D70-4FCE-B408-0827C50B0FCE}"/>
+              </a:ext>
+            </a:extLst>
+          </p:cNvPr>
+          <p:cNvSpPr>
+            <a:spLocks noGrp="1"/>
+          </p:cNvSpPr>
+          <p:nvPr>
+            <p:ph idx="1"/>
+          </p:nvPr>
+        </p:nvSpPr>
+        <p:spPr>
+          <a:xfrm>
+            <a:off x="531812" y="2126725"/>
+            <a:ext cx="9275128" cy="2604549"/>
+          </a:xfrm>
+        </p:spPr>
+        <p:txBody>
+          <a:bodyPr/>
+          <a:lstStyle/>
+          <a:p>
+            <a:r>
+              <a:rPr lang="en-US" sz="2400" dirty="0">
+                <a:solidFill>
+                  <a:schemeClr val="tx1"/>
+                </a:solidFill>
+              </a:rPr>
+              <a:t>As skill level in the game increases, the efficacy increases. A high efficacy indicates a low chance of accepting drugs from friends.  This means as players continue acquiring skill points in the game, the players are less likely to accept drugs or alcohol from friends.</a:t>
+            </a:r>
+          </a:p>
+          <a:p>
+            <a:endParaRPr lang="en-US" dirty="0"/>
+          </a:p>
+        </p:txBody>
+      </p:sp>
+    </p:spTree>
+    <p:extLst>
+      <p:ext uri="{BB962C8B-B14F-4D97-AF65-F5344CB8AC3E}">
+        <p14:creationId xmlns:p14="http://schemas.microsoft.com/office/powerpoint/2010/main" val="214483348"/>
+      </p:ext>
+    </p:extLst>
+  </p:cSld>
+  <p:clrMapOvr>
+    <a:masterClrMapping/>
+  </p:clrMapOvr>
+</p:sld>
+</file>
+
+<file path=ppt/slides/slide6.xml><?xml version="1.0" encoding="utf-8"?>
+<p:sld xmlns:a="http://schemas.openxmlformats.org/drawingml/2006/main" xmlns:r="http://schemas.openxmlformats.org/officeDocument/2006/relationships" xmlns:p="http://schemas.openxmlformats.org/presentationml/2006/main">
+  <p:cSld>
+    <p:spTree>
+      <p:nvGrpSpPr>
+        <p:cNvPr id="1" name=""/>
+        <p:cNvGrpSpPr/>
+        <p:nvPr/>
+      </p:nvGrpSpPr>
+      <p:grpSpPr>
+        <a:xfrm>
+          <a:off x="0" y="0"/>
+          <a:ext cx="0" cy="0"/>
+          <a:chOff x="0" y="0"/>
+          <a:chExt cx="0" cy="0"/>
+        </a:xfrm>
+      </p:grpSpPr>
+      <p:sp>
+        <p:nvSpPr>
+          <p:cNvPr id="2" name="Title 1">
+            <a:extLst>
+              <a:ext uri="{FF2B5EF4-FFF2-40B4-BE49-F238E27FC236}">
                 <a16:creationId xmlns:a16="http://schemas.microsoft.com/office/drawing/2014/main" id="{3E72FA9C-70D8-4BB4-B650-C084334F1423}"/>
               </a:ext>
             </a:extLst>
@@ -5776,17 +6965,33 @@
         </p:nvSpPr>
         <p:spPr>
           <a:xfrm>
-            <a:off x="582612" y="2087880"/>
-            <a:ext cx="8534400" cy="3615267"/>
+            <a:off x="582612" y="1401914"/>
+            <a:ext cx="8534400" cy="4562061"/>
           </a:xfrm>
         </p:spPr>
         <p:txBody>
-          <a:bodyPr/>
-          <a:lstStyle/>
-          <a:p>
-            <a:r>
-              <a:rPr lang="en-US" dirty="0"/>
-              <a:t>The game is trash.</a:t>
+          <a:bodyPr>
+            <a:normAutofit/>
+          </a:bodyPr>
+          <a:lstStyle/>
+          <a:p>
+            <a:r>
+              <a:rPr lang="en-US" sz="2400" dirty="0">
+                <a:solidFill>
+                  <a:schemeClr val="tx1"/>
+                </a:solidFill>
+              </a:rPr>
+              <a:t>As the player’s skill level increases in-game, some correlation is evident that the player’s efficacy of resisting peer-offered drugs and alcohol increases, which means students are getting more comfortable with refusing drugs and alcohol.</a:t>
+            </a:r>
+          </a:p>
+          <a:p>
+            <a:r>
+              <a:rPr lang="en-US" sz="2400" dirty="0">
+                <a:solidFill>
+                  <a:schemeClr val="tx1"/>
+                </a:solidFill>
+              </a:rPr>
+              <a:t>We concluded that while the game does have positive effects, the game must be vastly improved to accommodate for different learning rates.</a:t>
             </a:r>
           </a:p>
         </p:txBody>
@@ -6076,4 +7281,299 @@
     </a:ext>
   </a:extLst>
 </a:theme>
+</file>
+
+<file path=ppt/theme/theme2.xml><?xml version="1.0" encoding="utf-8"?>
+<a:theme xmlns:a="http://schemas.openxmlformats.org/drawingml/2006/main" name="Office Theme">
+  <a:themeElements>
+    <a:clrScheme name="Office">
+      <a:dk1>
+        <a:sysClr val="windowText" lastClr="000000"/>
+      </a:dk1>
+      <a:lt1>
+        <a:sysClr val="window" lastClr="FFFFFF"/>
+      </a:lt1>
+      <a:dk2>
+        <a:srgbClr val="44546A"/>
+      </a:dk2>
+      <a:lt2>
+        <a:srgbClr val="E7E6E6"/>
+      </a:lt2>
+      <a:accent1>
+        <a:srgbClr val="4472C4"/>
+      </a:accent1>
+      <a:accent2>
+        <a:srgbClr val="ED7D31"/>
+      </a:accent2>
+      <a:accent3>
+        <a:srgbClr val="A5A5A5"/>
+      </a:accent3>
+      <a:accent4>
+        <a:srgbClr val="FFC000"/>
+      </a:accent4>
+      <a:accent5>
+        <a:srgbClr val="5B9BD5"/>
+      </a:accent5>
+      <a:accent6>
+        <a:srgbClr val="70AD47"/>
+      </a:accent6>
+      <a:hlink>
+        <a:srgbClr val="0563C1"/>
+      </a:hlink>
+      <a:folHlink>
+        <a:srgbClr val="954F72"/>
+      </a:folHlink>
+    </a:clrScheme>
+    <a:fontScheme name="Office">
+      <a:majorFont>
+        <a:latin typeface="Calibri Light" panose="020F0302020204030204"/>
+        <a:ea typeface=""/>
+        <a:cs typeface=""/>
+        <a:font script="Jpan" typeface="游ゴシック Light"/>
+        <a:font script="Hang" typeface="맑은 고딕"/>
+        <a:font script="Hans" typeface="等线 Light"/>
+        <a:font script="Hant" typeface="新細明體"/>
+        <a:font script="Arab" typeface="Times New Roman"/>
+        <a:font script="Hebr" typeface="Times New Roman"/>
+        <a:font script="Thai" typeface="Angsana New"/>
+        <a:font script="Ethi" typeface="Nyala"/>
+        <a:font script="Beng" typeface="Vrinda"/>
+        <a:font script="Gujr" typeface="Shruti"/>
+        <a:font script="Khmr" typeface="MoolBoran"/>
+        <a:font script="Knda" typeface="Tunga"/>
+        <a:font script="Guru" typeface="Raavi"/>
+        <a:font script="Cans" typeface="Euphemia"/>
+        <a:font script="Cher" typeface="Plantagenet Cherokee"/>
+        <a:font script="Yiii" typeface="Microsoft Yi Baiti"/>
+        <a:font script="Tibt" typeface="Microsoft Himalaya"/>
+        <a:font script="Thaa" typeface="MV Boli"/>
+        <a:font script="Deva" typeface="Mangal"/>
+        <a:font script="Telu" typeface="Gautami"/>
+        <a:font script="Taml" typeface="Latha"/>
+        <a:font script="Syrc" typeface="Estrangelo Edessa"/>
+        <a:font script="Orya" typeface="Kalinga"/>
+        <a:font script="Mlym" typeface="Kartika"/>
+        <a:font script="Laoo" typeface="DokChampa"/>
+        <a:font script="Sinh" typeface="Iskoola Pota"/>
+        <a:font script="Mong" typeface="Mongolian Baiti"/>
+        <a:font script="Viet" typeface="Times New Roman"/>
+        <a:font script="Uigh" typeface="Microsoft Uighur"/>
+        <a:font script="Geor" typeface="Sylfaen"/>
+        <a:font script="Armn" typeface="Arial"/>
+        <a:font script="Bugi" typeface="Leelawadee UI"/>
+        <a:font script="Bopo" typeface="Microsoft JhengHei"/>
+        <a:font script="Java" typeface="Javanese Text"/>
+        <a:font script="Lisu" typeface="Segoe UI"/>
+        <a:font script="Mymr" typeface="Myanmar Text"/>
+        <a:font script="Nkoo" typeface="Ebrima"/>
+        <a:font script="Olck" typeface="Nirmala UI"/>
+        <a:font script="Osma" typeface="Ebrima"/>
+        <a:font script="Phag" typeface="Phagspa"/>
+        <a:font script="Syrn" typeface="Estrangelo Edessa"/>
+        <a:font script="Syrj" typeface="Estrangelo Edessa"/>
+        <a:font script="Syre" typeface="Estrangelo Edessa"/>
+        <a:font script="Sora" typeface="Nirmala UI"/>
+        <a:font script="Tale" typeface="Microsoft Tai Le"/>
+        <a:font script="Talu" typeface="Microsoft New Tai Lue"/>
+        <a:font script="Tfng" typeface="Ebrima"/>
+      </a:majorFont>
+      <a:minorFont>
+        <a:latin typeface="Calibri" panose="020F0502020204030204"/>
+        <a:ea typeface=""/>
+        <a:cs typeface=""/>
+        <a:font script="Jpan" typeface="游ゴシック"/>
+        <a:font script="Hang" typeface="맑은 고딕"/>
+        <a:font script="Hans" typeface="等线"/>
+        <a:font script="Hant" typeface="新細明體"/>
+        <a:font script="Arab" typeface="Arial"/>
+        <a:font script="Hebr" typeface="Arial"/>
+        <a:font script="Thai" typeface="Cordia New"/>
+        <a:font script="Ethi" typeface="Nyala"/>
+        <a:font script="Beng" typeface="Vrinda"/>
+        <a:font script="Gujr" typeface="Shruti"/>
+        <a:font script="Khmr" typeface="DaunPenh"/>
+        <a:font script="Knda" typeface="Tunga"/>
+        <a:font script="Guru" typeface="Raavi"/>
+        <a:font script="Cans" typeface="Euphemia"/>
+        <a:font script="Cher" typeface="Plantagenet Cherokee"/>
+        <a:font script="Yiii" typeface="Microsoft Yi Baiti"/>
+        <a:font script="Tibt" typeface="Microsoft Himalaya"/>
+        <a:font script="Thaa" typeface="MV Boli"/>
+        <a:font script="Deva" typeface="Mangal"/>
+        <a:font script="Telu" typeface="Gautami"/>
+        <a:font script="Taml" typeface="Latha"/>
+        <a:font script="Syrc" typeface="Estrangelo Edessa"/>
+        <a:font script="Orya" typeface="Kalinga"/>
+        <a:font script="Mlym" typeface="Kartika"/>
+        <a:font script="Laoo" typeface="DokChampa"/>
+        <a:font script="Sinh" typeface="Iskoola Pota"/>
+        <a:font script="Mong" typeface="Mongolian Baiti"/>
+        <a:font script="Viet" typeface="Arial"/>
+        <a:font script="Uigh" typeface="Microsoft Uighur"/>
+        <a:font script="Geor" typeface="Sylfaen"/>
+        <a:font script="Armn" typeface="Arial"/>
+        <a:font script="Bugi" typeface="Leelawadee UI"/>
+        <a:font script="Bopo" typeface="Microsoft JhengHei"/>
+        <a:font script="Java" typeface="Javanese Text"/>
+        <a:font script="Lisu" typeface="Segoe UI"/>
+        <a:font script="Mymr" typeface="Myanmar Text"/>
+        <a:font script="Nkoo" typeface="Ebrima"/>
+        <a:font script="Olck" typeface="Nirmala UI"/>
+        <a:font script="Osma" typeface="Ebrima"/>
+        <a:font script="Phag" typeface="Phagspa"/>
+        <a:font script="Syrn" typeface="Estrangelo Edessa"/>
+        <a:font script="Syrj" typeface="Estrangelo Edessa"/>
+        <a:font script="Syre" typeface="Estrangelo Edessa"/>
+        <a:font script="Sora" typeface="Nirmala UI"/>
+        <a:font script="Tale" typeface="Microsoft Tai Le"/>
+        <a:font script="Talu" typeface="Microsoft New Tai Lue"/>
+        <a:font script="Tfng" typeface="Ebrima"/>
+      </a:minorFont>
+    </a:fontScheme>
+    <a:fmtScheme name="Office">
+      <a:fillStyleLst>
+        <a:solidFill>
+          <a:schemeClr val="phClr"/>
+        </a:solidFill>
+        <a:gradFill rotWithShape="1">
+          <a:gsLst>
+            <a:gs pos="0">
+              <a:schemeClr val="phClr">
+                <a:lumMod val="110000"/>
+                <a:satMod val="105000"/>
+                <a:tint val="67000"/>
+              </a:schemeClr>
+            </a:gs>
+            <a:gs pos="50000">
+              <a:schemeClr val="phClr">
+                <a:lumMod val="105000"/>
+                <a:satMod val="103000"/>
+                <a:tint val="73000"/>
+              </a:schemeClr>
+            </a:gs>
+            <a:gs pos="100000">
+              <a:schemeClr val="phClr">
+                <a:lumMod val="105000"/>
+                <a:satMod val="109000"/>
+                <a:tint val="81000"/>
+              </a:schemeClr>
+            </a:gs>
+          </a:gsLst>
+          <a:lin ang="5400000" scaled="0"/>
+        </a:gradFill>
+        <a:gradFill rotWithShape="1">
+          <a:gsLst>
+            <a:gs pos="0">
+              <a:schemeClr val="phClr">
+                <a:satMod val="103000"/>
+                <a:lumMod val="102000"/>
+                <a:tint val="94000"/>
+              </a:schemeClr>
+            </a:gs>
+            <a:gs pos="50000">
+              <a:schemeClr val="phClr">
+                <a:satMod val="110000"/>
+                <a:lumMod val="100000"/>
+                <a:shade val="100000"/>
+              </a:schemeClr>
+            </a:gs>
+            <a:gs pos="100000">
+              <a:schemeClr val="phClr">
+                <a:lumMod val="99000"/>
+                <a:satMod val="120000"/>
+                <a:shade val="78000"/>
+              </a:schemeClr>
+            </a:gs>
+          </a:gsLst>
+          <a:lin ang="5400000" scaled="0"/>
+        </a:gradFill>
+      </a:fillStyleLst>
+      <a:lnStyleLst>
+        <a:ln w="6350" cap="flat" cmpd="sng" algn="ctr">
+          <a:solidFill>
+            <a:schemeClr val="phClr"/>
+          </a:solidFill>
+          <a:prstDash val="solid"/>
+          <a:miter lim="800000"/>
+        </a:ln>
+        <a:ln w="12700" cap="flat" cmpd="sng" algn="ctr">
+          <a:solidFill>
+            <a:schemeClr val="phClr"/>
+          </a:solidFill>
+          <a:prstDash val="solid"/>
+          <a:miter lim="800000"/>
+        </a:ln>
+        <a:ln w="19050" cap="flat" cmpd="sng" algn="ctr">
+          <a:solidFill>
+            <a:schemeClr val="phClr"/>
+          </a:solidFill>
+          <a:prstDash val="solid"/>
+          <a:miter lim="800000"/>
+        </a:ln>
+      </a:lnStyleLst>
+      <a:effectStyleLst>
+        <a:effectStyle>
+          <a:effectLst/>
+        </a:effectStyle>
+        <a:effectStyle>
+          <a:effectLst/>
+        </a:effectStyle>
+        <a:effectStyle>
+          <a:effectLst>
+            <a:outerShdw blurRad="57150" dist="19050" dir="5400000" algn="ctr" rotWithShape="0">
+              <a:srgbClr val="000000">
+                <a:alpha val="63000"/>
+              </a:srgbClr>
+            </a:outerShdw>
+          </a:effectLst>
+        </a:effectStyle>
+      </a:effectStyleLst>
+      <a:bgFillStyleLst>
+        <a:solidFill>
+          <a:schemeClr val="phClr"/>
+        </a:solidFill>
+        <a:solidFill>
+          <a:schemeClr val="phClr">
+            <a:tint val="95000"/>
+            <a:satMod val="170000"/>
+          </a:schemeClr>
+        </a:solidFill>
+        <a:gradFill rotWithShape="1">
+          <a:gsLst>
+            <a:gs pos="0">
+              <a:schemeClr val="phClr">
+                <a:tint val="93000"/>
+                <a:satMod val="150000"/>
+                <a:shade val="98000"/>
+                <a:lumMod val="102000"/>
+              </a:schemeClr>
+            </a:gs>
+            <a:gs pos="50000">
+              <a:schemeClr val="phClr">
+                <a:tint val="98000"/>
+                <a:satMod val="130000"/>
+                <a:shade val="90000"/>
+                <a:lumMod val="103000"/>
+              </a:schemeClr>
+            </a:gs>
+            <a:gs pos="100000">
+              <a:schemeClr val="phClr">
+                <a:shade val="63000"/>
+                <a:satMod val="120000"/>
+              </a:schemeClr>
+            </a:gs>
+          </a:gsLst>
+          <a:lin ang="5400000" scaled="0"/>
+        </a:gradFill>
+      </a:bgFillStyleLst>
+    </a:fmtScheme>
+  </a:themeElements>
+  <a:objectDefaults/>
+  <a:extraClrSchemeLst/>
+  <a:extLst>
+    <a:ext uri="{05A4C25C-085E-4340-85A3-A5531E510DB2}">
+      <thm15:themeFamily xmlns:thm15="http://schemas.microsoft.com/office/thememl/2012/main" name="Office Theme" id="{62F939B6-93AF-4DB8-9C6B-D6C7DFDC589F}" vid="{4A3C46E8-61CC-4603-A589-7422A47A8E4A}"/>
+    </a:ext>
+  </a:extLst>
+</a:theme>
 </file>
--- a/GrandWhamPresentation.pptx
+++ b/GrandWhamPresentation.pptx
@@ -5,15 +5,14 @@
     <p:sldMasterId id="2147483660" r:id="rId1"/>
   </p:sldMasterIdLst>
   <p:notesMasterIdLst>
-    <p:notesMasterId r:id="rId8"/>
+    <p:notesMasterId r:id="rId7"/>
   </p:notesMasterIdLst>
   <p:sldIdLst>
     <p:sldId id="256" r:id="rId2"/>
     <p:sldId id="257" r:id="rId3"/>
-    <p:sldId id="262" r:id="rId4"/>
-    <p:sldId id="260" r:id="rId5"/>
-    <p:sldId id="258" r:id="rId6"/>
-    <p:sldId id="259" r:id="rId7"/>
+    <p:sldId id="260" r:id="rId4"/>
+    <p:sldId id="262" r:id="rId5"/>
+    <p:sldId id="259" r:id="rId6"/>
   </p:sldIdLst>
   <p:sldSz cx="12192000" cy="6858000"/>
   <p:notesSz cx="6858000" cy="9144000"/>
@@ -112,6 +111,11 @@
       </a:defRPr>
     </a:lvl9pPr>
   </p:defaultTextStyle>
+  <p:extLst>
+    <p:ext uri="{EFAFB233-063F-42B5-8137-9DF3F51BA10A}">
+      <p15:sldGuideLst xmlns:p15="http://schemas.microsoft.com/office/powerpoint/2012/main"/>
+    </p:ext>
+  </p:extLst>
 </p:presentation>
 </file>
 
@@ -595,7 +599,32 @@
           <a:bodyPr/>
           <a:lstStyle/>
           <a:p>
-            <a:endParaRPr lang="en-US" dirty="0"/>
+            <a:r>
+              <a:rPr lang="en-US" dirty="0"/>
+              <a:t>We accumulated/aggregated each skill for every player, so every player has a </a:t>
+            </a:r>
+            <a:r>
+              <a:rPr lang="en-US" dirty="0" err="1"/>
+              <a:t>skill_level_mean</a:t>
+            </a:r>
+            <a:r>
+              <a:rPr lang="en-US" dirty="0"/>
+              <a:t> variable.</a:t>
+            </a:r>
+          </a:p>
+          <a:p>
+            <a:r>
+              <a:rPr lang="en-US" dirty="0"/>
+              <a:t>Explain what </a:t>
+            </a:r>
+            <a:r>
+              <a:rPr lang="en-US" dirty="0" err="1"/>
+              <a:t>skill_level_mean</a:t>
+            </a:r>
+            <a:r>
+              <a:rPr lang="en-US" dirty="0"/>
+              <a:t> is</a:t>
+            </a:r>
           </a:p>
         </p:txBody>
       </p:sp>
@@ -617,6 +646,106 @@
             <a:fld id="{5D86F8C4-C379-464D-97C4-7BCFD82222D9}" type="slidenum">
               <a:rPr lang="en-US" smtClean="0"/>
               <a:t>3</a:t>
+            </a:fld>
+            <a:endParaRPr lang="en-US"/>
+          </a:p>
+        </p:txBody>
+      </p:sp>
+    </p:spTree>
+    <p:extLst>
+      <p:ext uri="{BB962C8B-B14F-4D97-AF65-F5344CB8AC3E}">
+        <p14:creationId xmlns:p14="http://schemas.microsoft.com/office/powerpoint/2010/main" val="3111732426"/>
+      </p:ext>
+    </p:extLst>
+  </p:cSld>
+  <p:clrMapOvr>
+    <a:masterClrMapping/>
+  </p:clrMapOvr>
+</p:notes>
+</file>
+
+<file path=ppt/notesSlides/notesSlide3.xml><?xml version="1.0" encoding="utf-8"?>
+<p:notes xmlns:a="http://schemas.openxmlformats.org/drawingml/2006/main" xmlns:r="http://schemas.openxmlformats.org/officeDocument/2006/relationships" xmlns:p="http://schemas.openxmlformats.org/presentationml/2006/main">
+  <p:cSld>
+    <p:spTree>
+      <p:nvGrpSpPr>
+        <p:cNvPr id="1" name=""/>
+        <p:cNvGrpSpPr/>
+        <p:nvPr/>
+      </p:nvGrpSpPr>
+      <p:grpSpPr>
+        <a:xfrm>
+          <a:off x="0" y="0"/>
+          <a:ext cx="0" cy="0"/>
+          <a:chOff x="0" y="0"/>
+          <a:chExt cx="0" cy="0"/>
+        </a:xfrm>
+      </p:grpSpPr>
+      <p:sp>
+        <p:nvSpPr>
+          <p:cNvPr id="2" name="Slide Image Placeholder 1"/>
+          <p:cNvSpPr>
+            <a:spLocks noGrp="1" noRot="1" noChangeAspect="1"/>
+          </p:cNvSpPr>
+          <p:nvPr>
+            <p:ph type="sldImg"/>
+          </p:nvPr>
+        </p:nvSpPr>
+        <p:spPr/>
+      </p:sp>
+      <p:sp>
+        <p:nvSpPr>
+          <p:cNvPr id="3" name="Notes Placeholder 2"/>
+          <p:cNvSpPr>
+            <a:spLocks noGrp="1"/>
+          </p:cNvSpPr>
+          <p:nvPr>
+            <p:ph type="body" idx="1"/>
+          </p:nvPr>
+        </p:nvSpPr>
+        <p:spPr/>
+        <p:txBody>
+          <a:bodyPr/>
+          <a:lstStyle/>
+          <a:p>
+            <a:r>
+              <a:rPr lang="en-US" dirty="0"/>
+              <a:t>Talk </a:t>
+            </a:r>
+            <a:r>
+              <a:rPr lang="en-US" dirty="0" err="1"/>
+              <a:t>mre</a:t>
+            </a:r>
+            <a:r>
+              <a:rPr lang="en-US" dirty="0"/>
+              <a:t> about </a:t>
+            </a:r>
+            <a:r>
+              <a:rPr lang="en-US" dirty="0" err="1"/>
+              <a:t>skill_level_mean</a:t>
+            </a:r>
+            <a:endParaRPr lang="en-US" dirty="0"/>
+          </a:p>
+        </p:txBody>
+      </p:sp>
+      <p:sp>
+        <p:nvSpPr>
+          <p:cNvPr id="4" name="Slide Number Placeholder 3"/>
+          <p:cNvSpPr>
+            <a:spLocks noGrp="1"/>
+          </p:cNvSpPr>
+          <p:nvPr>
+            <p:ph type="sldNum" sz="quarter" idx="5"/>
+          </p:nvPr>
+        </p:nvSpPr>
+        <p:spPr/>
+        <p:txBody>
+          <a:bodyPr/>
+          <a:lstStyle/>
+          <a:p>
+            <a:fld id="{5D86F8C4-C379-464D-97C4-7BCFD82222D9}" type="slidenum">
+              <a:rPr lang="en-US" smtClean="0"/>
+              <a:t>4</a:t>
             </a:fld>
             <a:endParaRPr lang="en-US"/>
           </a:p>
@@ -826,7 +955,7 @@
           <a:p>
             <a:fld id="{8F741FD7-87ED-41A8-ACEA-B992EF7D4793}" type="datetimeFigureOut">
               <a:rPr lang="en-US" smtClean="0"/>
-              <a:t>3/26/2022</a:t>
+              <a:t>3/27/2022</a:t>
             </a:fld>
             <a:endParaRPr lang="en-US"/>
           </a:p>
@@ -1262,7 +1391,7 @@
           <a:p>
             <a:fld id="{8F741FD7-87ED-41A8-ACEA-B992EF7D4793}" type="datetimeFigureOut">
               <a:rPr lang="en-US" smtClean="0"/>
-              <a:t>3/26/2022</a:t>
+              <a:t>3/27/2022</a:t>
             </a:fld>
             <a:endParaRPr lang="en-US"/>
           </a:p>
@@ -1512,7 +1641,7 @@
           <a:p>
             <a:fld id="{8F741FD7-87ED-41A8-ACEA-B992EF7D4793}" type="datetimeFigureOut">
               <a:rPr lang="en-US" smtClean="0"/>
-              <a:t>3/26/2022</a:t>
+              <a:t>3/27/2022</a:t>
             </a:fld>
             <a:endParaRPr lang="en-US"/>
           </a:p>
@@ -1820,7 +1949,7 @@
           <a:p>
             <a:fld id="{8F741FD7-87ED-41A8-ACEA-B992EF7D4793}" type="datetimeFigureOut">
               <a:rPr lang="en-US" smtClean="0"/>
-              <a:t>3/26/2022</a:t>
+              <a:t>3/27/2022</a:t>
             </a:fld>
             <a:endParaRPr lang="en-US"/>
           </a:p>
@@ -2138,7 +2267,7 @@
           <a:p>
             <a:fld id="{8F741FD7-87ED-41A8-ACEA-B992EF7D4793}" type="datetimeFigureOut">
               <a:rPr lang="en-US" smtClean="0"/>
-              <a:t>3/26/2022</a:t>
+              <a:t>3/27/2022</a:t>
             </a:fld>
             <a:endParaRPr lang="en-US"/>
           </a:p>
@@ -2440,7 +2569,7 @@
           <a:p>
             <a:fld id="{8F741FD7-87ED-41A8-ACEA-B992EF7D4793}" type="datetimeFigureOut">
               <a:rPr lang="en-US" smtClean="0"/>
-              <a:t>3/26/2022</a:t>
+              <a:t>3/27/2022</a:t>
             </a:fld>
             <a:endParaRPr lang="en-US"/>
           </a:p>
@@ -2807,7 +2936,7 @@
           <a:p>
             <a:fld id="{8F741FD7-87ED-41A8-ACEA-B992EF7D4793}" type="datetimeFigureOut">
               <a:rPr lang="en-US" smtClean="0"/>
-              <a:t>3/26/2022</a:t>
+              <a:t>3/27/2022</a:t>
             </a:fld>
             <a:endParaRPr lang="en-US"/>
           </a:p>
@@ -2981,7 +3110,7 @@
           <a:p>
             <a:fld id="{8F741FD7-87ED-41A8-ACEA-B992EF7D4793}" type="datetimeFigureOut">
               <a:rPr lang="en-US" smtClean="0"/>
-              <a:t>3/26/2022</a:t>
+              <a:t>3/27/2022</a:t>
             </a:fld>
             <a:endParaRPr lang="en-US"/>
           </a:p>
@@ -3161,7 +3290,7 @@
           <a:p>
             <a:fld id="{8F741FD7-87ED-41A8-ACEA-B992EF7D4793}" type="datetimeFigureOut">
               <a:rPr lang="en-US" smtClean="0"/>
-              <a:t>3/26/2022</a:t>
+              <a:t>3/27/2022</a:t>
             </a:fld>
             <a:endParaRPr lang="en-US"/>
           </a:p>
@@ -3331,7 +3460,7 @@
           <a:p>
             <a:fld id="{8F741FD7-87ED-41A8-ACEA-B992EF7D4793}" type="datetimeFigureOut">
               <a:rPr lang="en-US" smtClean="0"/>
-              <a:t>3/26/2022</a:t>
+              <a:t>3/27/2022</a:t>
             </a:fld>
             <a:endParaRPr lang="en-US"/>
           </a:p>
@@ -3581,7 +3710,7 @@
           <a:p>
             <a:fld id="{8F741FD7-87ED-41A8-ACEA-B992EF7D4793}" type="datetimeFigureOut">
               <a:rPr lang="en-US" smtClean="0"/>
-              <a:t>3/26/2022</a:t>
+              <a:t>3/27/2022</a:t>
             </a:fld>
             <a:endParaRPr lang="en-US"/>
           </a:p>
@@ -3817,7 +3946,7 @@
           <a:p>
             <a:fld id="{8F741FD7-87ED-41A8-ACEA-B992EF7D4793}" type="datetimeFigureOut">
               <a:rPr lang="en-US" smtClean="0"/>
-              <a:t>3/26/2022</a:t>
+              <a:t>3/27/2022</a:t>
             </a:fld>
             <a:endParaRPr lang="en-US"/>
           </a:p>
@@ -4199,7 +4328,7 @@
           <a:p>
             <a:fld id="{8F741FD7-87ED-41A8-ACEA-B992EF7D4793}" type="datetimeFigureOut">
               <a:rPr lang="en-US" smtClean="0"/>
-              <a:t>3/26/2022</a:t>
+              <a:t>3/27/2022</a:t>
             </a:fld>
             <a:endParaRPr lang="en-US"/>
           </a:p>
@@ -4317,7 +4446,7 @@
           <a:p>
             <a:fld id="{8F741FD7-87ED-41A8-ACEA-B992EF7D4793}" type="datetimeFigureOut">
               <a:rPr lang="en-US" smtClean="0"/>
-              <a:t>3/26/2022</a:t>
+              <a:t>3/27/2022</a:t>
             </a:fld>
             <a:endParaRPr lang="en-US"/>
           </a:p>
@@ -4412,7 +4541,7 @@
           <a:p>
             <a:fld id="{8F741FD7-87ED-41A8-ACEA-B992EF7D4793}" type="datetimeFigureOut">
               <a:rPr lang="en-US" smtClean="0"/>
-              <a:t>3/26/2022</a:t>
+              <a:t>3/27/2022</a:t>
             </a:fld>
             <a:endParaRPr lang="en-US"/>
           </a:p>
@@ -4667,7 +4796,7 @@
           <a:p>
             <a:fld id="{8F741FD7-87ED-41A8-ACEA-B992EF7D4793}" type="datetimeFigureOut">
               <a:rPr lang="en-US" smtClean="0"/>
-              <a:t>3/26/2022</a:t>
+              <a:t>3/27/2022</a:t>
             </a:fld>
             <a:endParaRPr lang="en-US"/>
           </a:p>
@@ -4950,7 +5079,7 @@
           <a:p>
             <a:fld id="{8F741FD7-87ED-41A8-ACEA-B992EF7D4793}" type="datetimeFigureOut">
               <a:rPr lang="en-US" smtClean="0"/>
-              <a:t>3/26/2022</a:t>
+              <a:t>3/27/2022</a:t>
             </a:fld>
             <a:endParaRPr lang="en-US"/>
           </a:p>
@@ -5356,7 +5485,7 @@
           <a:p>
             <a:fld id="{8F741FD7-87ED-41A8-ACEA-B992EF7D4793}" type="datetimeFigureOut">
               <a:rPr lang="en-US" smtClean="0"/>
-              <a:t>3/26/2022</a:t>
+              <a:t>3/27/2022</a:t>
             </a:fld>
             <a:endParaRPr lang="en-US"/>
           </a:p>
@@ -5971,6 +6100,16 @@
                   <a:schemeClr val="tx1"/>
                 </a:solidFill>
               </a:rPr>
+              <a:t>Vincent Purr</a:t>
+            </a:r>
+          </a:p>
+          <a:p>
+            <a:r>
+              <a:rPr lang="en-US" sz="2400" dirty="0">
+                <a:solidFill>
+                  <a:schemeClr val="tx1"/>
+                </a:solidFill>
+              </a:rPr>
               <a:t>Pranay </a:t>
             </a:r>
             <a:r>
@@ -5986,16 +6125,6 @@
                 <a:schemeClr val="tx1"/>
               </a:solidFill>
             </a:endParaRPr>
-          </a:p>
-          <a:p>
-            <a:r>
-              <a:rPr lang="en-US" sz="2400" dirty="0">
-                <a:solidFill>
-                  <a:schemeClr val="tx1"/>
-                </a:solidFill>
-              </a:rPr>
-              <a:t>Vincent Purr</a:t>
-            </a:r>
           </a:p>
           <a:p>
             <a:r>
@@ -6124,12 +6253,12 @@
         <p:spPr>
           <a:xfrm>
             <a:off x="511492" y="1866052"/>
-            <a:ext cx="5340668" cy="3368888"/>
+            <a:ext cx="5340668" cy="3140288"/>
           </a:xfrm>
         </p:spPr>
         <p:txBody>
           <a:bodyPr>
-            <a:normAutofit/>
+            <a:normAutofit fontScale="85000" lnSpcReduction="20000"/>
           </a:bodyPr>
           <a:lstStyle/>
           <a:p>
@@ -6141,6 +6270,23 @@
               </a:rPr>
               <a:t>As skill level increases, the efficacy increases. A high efficacy indicates a high chance of refusing peer-offered drugs and alcohol by students.</a:t>
             </a:r>
+          </a:p>
+          <a:p>
+            <a:r>
+              <a:rPr lang="en-US" sz="2800" dirty="0">
+                <a:solidFill>
+                  <a:schemeClr val="tx1"/>
+                </a:solidFill>
+              </a:rPr>
+              <a:t>We found most of the students quit playing the game after 3 weeks. So, we chose 3 weeks to utilize more of our data.</a:t>
+            </a:r>
+          </a:p>
+          <a:p>
+            <a:endParaRPr lang="en-US" sz="2800" dirty="0">
+              <a:solidFill>
+                <a:schemeClr val="tx1"/>
+              </a:solidFill>
+            </a:endParaRPr>
           </a:p>
         </p:txBody>
       </p:sp>
@@ -6188,7 +6334,7 @@
         </p:nvSpPr>
         <p:spPr>
           <a:xfrm>
-            <a:off x="6096000" y="5678592"/>
+            <a:off x="6610350" y="1561253"/>
             <a:ext cx="3506526" cy="523220"/>
           </a:xfrm>
           <a:prstGeom prst="rect">
@@ -6203,7 +6349,11 @@
           <a:lstStyle/>
           <a:p>
             <a:r>
-              <a:rPr lang="en-US" sz="2800" dirty="0"/>
+              <a:rPr lang="en-US" sz="2800" dirty="0">
+                <a:solidFill>
+                  <a:schemeClr val="bg1"/>
+                </a:solidFill>
+              </a:rPr>
               <a:t>Correlation = 0.12</a:t>
             </a:r>
           </a:p>
@@ -6244,6 +6394,365 @@
           <p:cNvPr id="2" name="Title 1">
             <a:extLst>
               <a:ext uri="{FF2B5EF4-FFF2-40B4-BE49-F238E27FC236}">
+                <a16:creationId xmlns:a16="http://schemas.microsoft.com/office/drawing/2014/main" id="{C3181B6E-D7D1-473A-87A8-AD88B89A7DCB}"/>
+              </a:ext>
+            </a:extLst>
+          </p:cNvPr>
+          <p:cNvSpPr>
+            <a:spLocks noGrp="1"/>
+          </p:cNvSpPr>
+          <p:nvPr>
+            <p:ph type="title"/>
+          </p:nvPr>
+        </p:nvSpPr>
+        <p:spPr>
+          <a:xfrm>
+            <a:off x="249098" y="193040"/>
+            <a:ext cx="9866452" cy="595242"/>
+          </a:xfrm>
+        </p:spPr>
+        <p:txBody>
+          <a:bodyPr>
+            <a:normAutofit fontScale="90000"/>
+          </a:bodyPr>
+          <a:lstStyle/>
+          <a:p>
+            <a:r>
+              <a:rPr lang="en-US" dirty="0"/>
+              <a:t>Data Visualization (cont’d) - Correlations</a:t>
+            </a:r>
+          </a:p>
+        </p:txBody>
+      </p:sp>
+      <p:pic>
+        <p:nvPicPr>
+          <p:cNvPr id="4" name="Picture 3">
+            <a:extLst>
+              <a:ext uri="{FF2B5EF4-FFF2-40B4-BE49-F238E27FC236}">
+                <a16:creationId xmlns:a16="http://schemas.microsoft.com/office/drawing/2014/main" id="{BE68C381-6053-4B47-B5C0-FFD7F02B6D83}"/>
+              </a:ext>
+            </a:extLst>
+          </p:cNvPr>
+          <p:cNvPicPr>
+            <a:picLocks noChangeAspect="1"/>
+          </p:cNvPicPr>
+          <p:nvPr/>
+        </p:nvPicPr>
+        <p:blipFill>
+          <a:blip r:embed="rId3"/>
+          <a:stretch>
+            <a:fillRect/>
+          </a:stretch>
+        </p:blipFill>
+        <p:spPr>
+          <a:xfrm>
+            <a:off x="142461" y="889874"/>
+            <a:ext cx="9191308" cy="5909248"/>
+          </a:xfrm>
+          <a:prstGeom prst="rect">
+            <a:avLst/>
+          </a:prstGeom>
+        </p:spPr>
+      </p:pic>
+      <p:sp>
+        <p:nvSpPr>
+          <p:cNvPr id="6" name="TextBox 5">
+            <a:extLst>
+              <a:ext uri="{FF2B5EF4-FFF2-40B4-BE49-F238E27FC236}">
+                <a16:creationId xmlns:a16="http://schemas.microsoft.com/office/drawing/2014/main" id="{96FE44E6-E52B-4AE6-8DBF-DB6EEE4A81BD}"/>
+              </a:ext>
+            </a:extLst>
+          </p:cNvPr>
+          <p:cNvSpPr txBox="1"/>
+          <p:nvPr/>
+        </p:nvSpPr>
+        <p:spPr>
+          <a:xfrm>
+            <a:off x="606926" y="1383644"/>
+            <a:ext cx="2888932" cy="830997"/>
+          </a:xfrm>
+          <a:prstGeom prst="rect">
+            <a:avLst/>
+          </a:prstGeom>
+          <a:noFill/>
+        </p:spPr>
+        <p:txBody>
+          <a:bodyPr wrap="none" rtlCol="0">
+            <a:spAutoFit/>
+          </a:bodyPr>
+          <a:lstStyle/>
+          <a:p>
+            <a:r>
+              <a:rPr lang="en-US" sz="4800" dirty="0">
+                <a:solidFill>
+                  <a:schemeClr val="bg1"/>
+                </a:solidFill>
+              </a:rPr>
+              <a:t>A = 0.178</a:t>
+            </a:r>
+            <a:endParaRPr lang="en-US" dirty="0">
+              <a:solidFill>
+                <a:schemeClr val="bg1"/>
+              </a:solidFill>
+            </a:endParaRPr>
+          </a:p>
+        </p:txBody>
+      </p:sp>
+      <p:sp>
+        <p:nvSpPr>
+          <p:cNvPr id="7" name="TextBox 6">
+            <a:extLst>
+              <a:ext uri="{FF2B5EF4-FFF2-40B4-BE49-F238E27FC236}">
+                <a16:creationId xmlns:a16="http://schemas.microsoft.com/office/drawing/2014/main" id="{AB213984-B991-491C-B380-FCF00F546625}"/>
+              </a:ext>
+            </a:extLst>
+          </p:cNvPr>
+          <p:cNvSpPr txBox="1"/>
+          <p:nvPr/>
+        </p:nvSpPr>
+        <p:spPr>
+          <a:xfrm>
+            <a:off x="5529557" y="1383643"/>
+            <a:ext cx="2787943" cy="830997"/>
+          </a:xfrm>
+          <a:prstGeom prst="rect">
+            <a:avLst/>
+          </a:prstGeom>
+          <a:noFill/>
+        </p:spPr>
+        <p:txBody>
+          <a:bodyPr wrap="none" rtlCol="0">
+            <a:spAutoFit/>
+          </a:bodyPr>
+          <a:lstStyle/>
+          <a:p>
+            <a:r>
+              <a:rPr lang="en-US" sz="4800" dirty="0">
+                <a:solidFill>
+                  <a:schemeClr val="bg1"/>
+                </a:solidFill>
+              </a:rPr>
+              <a:t>B = 0.158</a:t>
+            </a:r>
+            <a:endParaRPr lang="en-US" dirty="0">
+              <a:solidFill>
+                <a:schemeClr val="bg1"/>
+              </a:solidFill>
+            </a:endParaRPr>
+          </a:p>
+        </p:txBody>
+      </p:sp>
+      <p:sp>
+        <p:nvSpPr>
+          <p:cNvPr id="8" name="TextBox 7">
+            <a:extLst>
+              <a:ext uri="{FF2B5EF4-FFF2-40B4-BE49-F238E27FC236}">
+                <a16:creationId xmlns:a16="http://schemas.microsoft.com/office/drawing/2014/main" id="{3171C006-B62B-4838-A719-45AB81203562}"/>
+              </a:ext>
+            </a:extLst>
+          </p:cNvPr>
+          <p:cNvSpPr txBox="1"/>
+          <p:nvPr/>
+        </p:nvSpPr>
+        <p:spPr>
+          <a:xfrm>
+            <a:off x="646044" y="3013501"/>
+            <a:ext cx="2933816" cy="830997"/>
+          </a:xfrm>
+          <a:prstGeom prst="rect">
+            <a:avLst/>
+          </a:prstGeom>
+          <a:noFill/>
+        </p:spPr>
+        <p:txBody>
+          <a:bodyPr wrap="none" rtlCol="0">
+            <a:spAutoFit/>
+          </a:bodyPr>
+          <a:lstStyle/>
+          <a:p>
+            <a:r>
+              <a:rPr lang="en-US" sz="4800" dirty="0">
+                <a:solidFill>
+                  <a:schemeClr val="bg1"/>
+                </a:solidFill>
+              </a:rPr>
+              <a:t>C = 0.169</a:t>
+            </a:r>
+            <a:endParaRPr lang="en-US" dirty="0">
+              <a:solidFill>
+                <a:schemeClr val="bg1"/>
+              </a:solidFill>
+            </a:endParaRPr>
+          </a:p>
+        </p:txBody>
+      </p:sp>
+      <p:sp>
+        <p:nvSpPr>
+          <p:cNvPr id="9" name="TextBox 8">
+            <a:extLst>
+              <a:ext uri="{FF2B5EF4-FFF2-40B4-BE49-F238E27FC236}">
+                <a16:creationId xmlns:a16="http://schemas.microsoft.com/office/drawing/2014/main" id="{49BFD921-D58D-43AF-ABE9-2274CF883ABF}"/>
+              </a:ext>
+            </a:extLst>
+          </p:cNvPr>
+          <p:cNvSpPr txBox="1"/>
+          <p:nvPr/>
+        </p:nvSpPr>
+        <p:spPr>
+          <a:xfrm>
+            <a:off x="697815" y="4901960"/>
+            <a:ext cx="2763898" cy="830997"/>
+          </a:xfrm>
+          <a:prstGeom prst="rect">
+            <a:avLst/>
+          </a:prstGeom>
+          <a:noFill/>
+        </p:spPr>
+        <p:txBody>
+          <a:bodyPr wrap="none" rtlCol="0">
+            <a:spAutoFit/>
+          </a:bodyPr>
+          <a:lstStyle/>
+          <a:p>
+            <a:r>
+              <a:rPr lang="en-US" sz="4800" dirty="0">
+                <a:solidFill>
+                  <a:schemeClr val="bg1"/>
+                </a:solidFill>
+              </a:rPr>
+              <a:t>E = 0.208</a:t>
+            </a:r>
+            <a:endParaRPr lang="en-US" dirty="0">
+              <a:solidFill>
+                <a:schemeClr val="bg1"/>
+              </a:solidFill>
+            </a:endParaRPr>
+          </a:p>
+        </p:txBody>
+      </p:sp>
+      <p:sp>
+        <p:nvSpPr>
+          <p:cNvPr id="10" name="TextBox 9">
+            <a:extLst>
+              <a:ext uri="{FF2B5EF4-FFF2-40B4-BE49-F238E27FC236}">
+                <a16:creationId xmlns:a16="http://schemas.microsoft.com/office/drawing/2014/main" id="{36EC6F85-883B-4E13-BD3A-93AE2D26B0B7}"/>
+              </a:ext>
+            </a:extLst>
+          </p:cNvPr>
+          <p:cNvSpPr txBox="1"/>
+          <p:nvPr/>
+        </p:nvSpPr>
+        <p:spPr>
+          <a:xfrm>
+            <a:off x="5185174" y="3013501"/>
+            <a:ext cx="2892138" cy="830997"/>
+          </a:xfrm>
+          <a:prstGeom prst="rect">
+            <a:avLst/>
+          </a:prstGeom>
+          <a:noFill/>
+        </p:spPr>
+        <p:txBody>
+          <a:bodyPr wrap="none" rtlCol="0">
+            <a:spAutoFit/>
+          </a:bodyPr>
+          <a:lstStyle/>
+          <a:p>
+            <a:r>
+              <a:rPr lang="en-US" sz="4800" dirty="0">
+                <a:solidFill>
+                  <a:schemeClr val="bg1"/>
+                </a:solidFill>
+              </a:rPr>
+              <a:t>D = 0.152</a:t>
+            </a:r>
+            <a:endParaRPr lang="en-US" dirty="0">
+              <a:solidFill>
+                <a:schemeClr val="bg1"/>
+              </a:solidFill>
+            </a:endParaRPr>
+          </a:p>
+        </p:txBody>
+      </p:sp>
+      <p:sp>
+        <p:nvSpPr>
+          <p:cNvPr id="11" name="TextBox 10">
+            <a:extLst>
+              <a:ext uri="{FF2B5EF4-FFF2-40B4-BE49-F238E27FC236}">
+                <a16:creationId xmlns:a16="http://schemas.microsoft.com/office/drawing/2014/main" id="{CE92BE7B-B655-420A-9297-F429EAAB4CD3}"/>
+              </a:ext>
+            </a:extLst>
+          </p:cNvPr>
+          <p:cNvSpPr txBox="1"/>
+          <p:nvPr/>
+        </p:nvSpPr>
+        <p:spPr>
+          <a:xfrm>
+            <a:off x="5286163" y="4901961"/>
+            <a:ext cx="2731838" cy="830997"/>
+          </a:xfrm>
+          <a:prstGeom prst="rect">
+            <a:avLst/>
+          </a:prstGeom>
+          <a:noFill/>
+        </p:spPr>
+        <p:txBody>
+          <a:bodyPr wrap="none" rtlCol="0">
+            <a:spAutoFit/>
+          </a:bodyPr>
+          <a:lstStyle/>
+          <a:p>
+            <a:r>
+              <a:rPr lang="en-US" sz="4800" dirty="0">
+                <a:solidFill>
+                  <a:schemeClr val="bg1"/>
+                </a:solidFill>
+              </a:rPr>
+              <a:t>F = 0.175</a:t>
+            </a:r>
+            <a:endParaRPr lang="en-US" dirty="0">
+              <a:solidFill>
+                <a:schemeClr val="bg1"/>
+              </a:solidFill>
+            </a:endParaRPr>
+          </a:p>
+        </p:txBody>
+      </p:sp>
+    </p:spTree>
+    <p:extLst>
+      <p:ext uri="{BB962C8B-B14F-4D97-AF65-F5344CB8AC3E}">
+        <p14:creationId xmlns:p14="http://schemas.microsoft.com/office/powerpoint/2010/main" val="847123957"/>
+      </p:ext>
+    </p:extLst>
+  </p:cSld>
+  <p:clrMapOvr>
+    <a:masterClrMapping/>
+  </p:clrMapOvr>
+</p:sld>
+</file>
+
+<file path=ppt/slides/slide4.xml><?xml version="1.0" encoding="utf-8"?>
+<p:sld xmlns:a="http://schemas.openxmlformats.org/drawingml/2006/main" xmlns:r="http://schemas.openxmlformats.org/officeDocument/2006/relationships" xmlns:p="http://schemas.openxmlformats.org/presentationml/2006/main">
+  <p:cSld>
+    <p:spTree>
+      <p:nvGrpSpPr>
+        <p:cNvPr id="1" name=""/>
+        <p:cNvGrpSpPr/>
+        <p:nvPr/>
+      </p:nvGrpSpPr>
+      <p:grpSpPr>
+        <a:xfrm>
+          <a:off x="0" y="0"/>
+          <a:ext cx="0" cy="0"/>
+          <a:chOff x="0" y="0"/>
+          <a:chExt cx="0" cy="0"/>
+        </a:xfrm>
+      </p:grpSpPr>
+      <p:sp>
+        <p:nvSpPr>
+          <p:cNvPr id="2" name="Title 1">
+            <a:extLst>
+              <a:ext uri="{FF2B5EF4-FFF2-40B4-BE49-F238E27FC236}">
                 <a16:creationId xmlns:a16="http://schemas.microsoft.com/office/drawing/2014/main" id="{4CEC4B4C-34A7-4D1C-B878-98ABC0FAA4F5}"/>
               </a:ext>
             </a:extLst>
@@ -6290,38 +6799,38 @@
         </p:nvSpPr>
         <p:spPr>
           <a:xfrm>
-            <a:off x="511491" y="1597355"/>
-            <a:ext cx="11591393" cy="1759226"/>
+            <a:off x="511492" y="1318289"/>
+            <a:ext cx="11591393" cy="2110711"/>
           </a:xfrm>
         </p:spPr>
         <p:txBody>
           <a:bodyPr>
-            <a:normAutofit fontScale="92500"/>
+            <a:normAutofit lnSpcReduction="10000"/>
           </a:bodyPr>
           <a:lstStyle/>
           <a:p>
             <a:r>
-              <a:rPr lang="en-US" sz="2400" dirty="0">
+              <a:rPr lang="en-US" dirty="0">
                 <a:solidFill>
                   <a:schemeClr val="tx1"/>
                 </a:solidFill>
               </a:rPr>
-              <a:t>Null hypothesis: The skill level mean is equal to 0.</a:t>
-            </a:r>
-          </a:p>
-          <a:p>
-            <a:r>
-              <a:rPr lang="en-US" sz="2400" dirty="0">
+              <a:t>Null hypothesis: The skill level mean difference is 0 after 3 weeks, indicating no improvement.</a:t>
+            </a:r>
+          </a:p>
+          <a:p>
+            <a:r>
+              <a:rPr lang="en-US" dirty="0">
                 <a:solidFill>
                   <a:schemeClr val="tx1"/>
                 </a:solidFill>
               </a:rPr>
-              <a:t>Alternative hypothesis: The skill level mean is greater than 0. (matched-pairs test)</a:t>
-            </a:r>
-          </a:p>
-          <a:p>
-            <a:r>
-              <a:rPr lang="en-US" sz="2400" dirty="0">
+              <a:t>Alternative hypothesis: The skill level mean is greater than 0, indicating improvement. (matched-pairs test)</a:t>
+            </a:r>
+          </a:p>
+          <a:p>
+            <a:r>
+              <a:rPr lang="en-US" dirty="0">
                 <a:solidFill>
                   <a:schemeClr val="tx1"/>
                 </a:solidFill>
@@ -6391,409 +6900,6 @@
 </p:sld>
 </file>
 
-<file path=ppt/slides/slide4.xml><?xml version="1.0" encoding="utf-8"?>
-<p:sld xmlns:a="http://schemas.openxmlformats.org/drawingml/2006/main" xmlns:r="http://schemas.openxmlformats.org/officeDocument/2006/relationships" xmlns:p="http://schemas.openxmlformats.org/presentationml/2006/main">
-  <p:cSld>
-    <p:spTree>
-      <p:nvGrpSpPr>
-        <p:cNvPr id="1" name=""/>
-        <p:cNvGrpSpPr/>
-        <p:nvPr/>
-      </p:nvGrpSpPr>
-      <p:grpSpPr>
-        <a:xfrm>
-          <a:off x="0" y="0"/>
-          <a:ext cx="0" cy="0"/>
-          <a:chOff x="0" y="0"/>
-          <a:chExt cx="0" cy="0"/>
-        </a:xfrm>
-      </p:grpSpPr>
-      <p:sp>
-        <p:nvSpPr>
-          <p:cNvPr id="2" name="Title 1">
-            <a:extLst>
-              <a:ext uri="{FF2B5EF4-FFF2-40B4-BE49-F238E27FC236}">
-                <a16:creationId xmlns:a16="http://schemas.microsoft.com/office/drawing/2014/main" id="{C3181B6E-D7D1-473A-87A8-AD88B89A7DCB}"/>
-              </a:ext>
-            </a:extLst>
-          </p:cNvPr>
-          <p:cNvSpPr>
-            <a:spLocks noGrp="1"/>
-          </p:cNvSpPr>
-          <p:nvPr>
-            <p:ph type="title"/>
-          </p:nvPr>
-        </p:nvSpPr>
-        <p:spPr>
-          <a:xfrm>
-            <a:off x="249099" y="193040"/>
-            <a:ext cx="8534400" cy="595242"/>
-          </a:xfrm>
-        </p:spPr>
-        <p:txBody>
-          <a:bodyPr>
-            <a:normAutofit fontScale="90000"/>
-          </a:bodyPr>
-          <a:lstStyle/>
-          <a:p>
-            <a:r>
-              <a:rPr lang="en-US" dirty="0"/>
-              <a:t>Data Visualization (cont’d)</a:t>
-            </a:r>
-          </a:p>
-        </p:txBody>
-      </p:sp>
-      <p:pic>
-        <p:nvPicPr>
-          <p:cNvPr id="4" name="Picture 3">
-            <a:extLst>
-              <a:ext uri="{FF2B5EF4-FFF2-40B4-BE49-F238E27FC236}">
-                <a16:creationId xmlns:a16="http://schemas.microsoft.com/office/drawing/2014/main" id="{BE68C381-6053-4B47-B5C0-FFD7F02B6D83}"/>
-              </a:ext>
-            </a:extLst>
-          </p:cNvPr>
-          <p:cNvPicPr>
-            <a:picLocks noChangeAspect="1"/>
-          </p:cNvPicPr>
-          <p:nvPr/>
-        </p:nvPicPr>
-        <p:blipFill>
-          <a:blip r:embed="rId2"/>
-          <a:stretch>
-            <a:fillRect/>
-          </a:stretch>
-        </p:blipFill>
-        <p:spPr>
-          <a:xfrm>
-            <a:off x="142461" y="889874"/>
-            <a:ext cx="9191308" cy="5909248"/>
-          </a:xfrm>
-          <a:prstGeom prst="rect">
-            <a:avLst/>
-          </a:prstGeom>
-        </p:spPr>
-      </p:pic>
-      <p:sp>
-        <p:nvSpPr>
-          <p:cNvPr id="6" name="TextBox 5">
-            <a:extLst>
-              <a:ext uri="{FF2B5EF4-FFF2-40B4-BE49-F238E27FC236}">
-                <a16:creationId xmlns:a16="http://schemas.microsoft.com/office/drawing/2014/main" id="{96FE44E6-E52B-4AE6-8DBF-DB6EEE4A81BD}"/>
-              </a:ext>
-            </a:extLst>
-          </p:cNvPr>
-          <p:cNvSpPr txBox="1"/>
-          <p:nvPr/>
-        </p:nvSpPr>
-        <p:spPr>
-          <a:xfrm>
-            <a:off x="606926" y="1383644"/>
-            <a:ext cx="2888932" cy="830997"/>
-          </a:xfrm>
-          <a:prstGeom prst="rect">
-            <a:avLst/>
-          </a:prstGeom>
-          <a:noFill/>
-        </p:spPr>
-        <p:txBody>
-          <a:bodyPr wrap="none" rtlCol="0">
-            <a:spAutoFit/>
-          </a:bodyPr>
-          <a:lstStyle/>
-          <a:p>
-            <a:r>
-              <a:rPr lang="en-US" sz="4800" dirty="0">
-                <a:solidFill>
-                  <a:schemeClr val="bg1"/>
-                </a:solidFill>
-              </a:rPr>
-              <a:t>A = 0.178</a:t>
-            </a:r>
-            <a:endParaRPr lang="en-US" dirty="0">
-              <a:solidFill>
-                <a:schemeClr val="bg1"/>
-              </a:solidFill>
-            </a:endParaRPr>
-          </a:p>
-        </p:txBody>
-      </p:sp>
-      <p:sp>
-        <p:nvSpPr>
-          <p:cNvPr id="7" name="TextBox 6">
-            <a:extLst>
-              <a:ext uri="{FF2B5EF4-FFF2-40B4-BE49-F238E27FC236}">
-                <a16:creationId xmlns:a16="http://schemas.microsoft.com/office/drawing/2014/main" id="{AB213984-B991-491C-B380-FCF00F546625}"/>
-              </a:ext>
-            </a:extLst>
-          </p:cNvPr>
-          <p:cNvSpPr txBox="1"/>
-          <p:nvPr/>
-        </p:nvSpPr>
-        <p:spPr>
-          <a:xfrm>
-            <a:off x="5529557" y="1383643"/>
-            <a:ext cx="2787943" cy="830997"/>
-          </a:xfrm>
-          <a:prstGeom prst="rect">
-            <a:avLst/>
-          </a:prstGeom>
-          <a:noFill/>
-        </p:spPr>
-        <p:txBody>
-          <a:bodyPr wrap="none" rtlCol="0">
-            <a:spAutoFit/>
-          </a:bodyPr>
-          <a:lstStyle/>
-          <a:p>
-            <a:r>
-              <a:rPr lang="en-US" sz="4800" dirty="0">
-                <a:solidFill>
-                  <a:schemeClr val="bg1"/>
-                </a:solidFill>
-              </a:rPr>
-              <a:t>B = 0.158</a:t>
-            </a:r>
-            <a:endParaRPr lang="en-US" dirty="0">
-              <a:solidFill>
-                <a:schemeClr val="bg1"/>
-              </a:solidFill>
-            </a:endParaRPr>
-          </a:p>
-        </p:txBody>
-      </p:sp>
-      <p:sp>
-        <p:nvSpPr>
-          <p:cNvPr id="8" name="TextBox 7">
-            <a:extLst>
-              <a:ext uri="{FF2B5EF4-FFF2-40B4-BE49-F238E27FC236}">
-                <a16:creationId xmlns:a16="http://schemas.microsoft.com/office/drawing/2014/main" id="{3171C006-B62B-4838-A719-45AB81203562}"/>
-              </a:ext>
-            </a:extLst>
-          </p:cNvPr>
-          <p:cNvSpPr txBox="1"/>
-          <p:nvPr/>
-        </p:nvSpPr>
-        <p:spPr>
-          <a:xfrm>
-            <a:off x="646044" y="3013501"/>
-            <a:ext cx="2933816" cy="830997"/>
-          </a:xfrm>
-          <a:prstGeom prst="rect">
-            <a:avLst/>
-          </a:prstGeom>
-          <a:noFill/>
-        </p:spPr>
-        <p:txBody>
-          <a:bodyPr wrap="none" rtlCol="0">
-            <a:spAutoFit/>
-          </a:bodyPr>
-          <a:lstStyle/>
-          <a:p>
-            <a:r>
-              <a:rPr lang="en-US" sz="4800" dirty="0">
-                <a:solidFill>
-                  <a:schemeClr val="bg1"/>
-                </a:solidFill>
-              </a:rPr>
-              <a:t>C = 0.169</a:t>
-            </a:r>
-            <a:endParaRPr lang="en-US" dirty="0">
-              <a:solidFill>
-                <a:schemeClr val="bg1"/>
-              </a:solidFill>
-            </a:endParaRPr>
-          </a:p>
-        </p:txBody>
-      </p:sp>
-      <p:sp>
-        <p:nvSpPr>
-          <p:cNvPr id="9" name="TextBox 8">
-            <a:extLst>
-              <a:ext uri="{FF2B5EF4-FFF2-40B4-BE49-F238E27FC236}">
-                <a16:creationId xmlns:a16="http://schemas.microsoft.com/office/drawing/2014/main" id="{49BFD921-D58D-43AF-ABE9-2274CF883ABF}"/>
-              </a:ext>
-            </a:extLst>
-          </p:cNvPr>
-          <p:cNvSpPr txBox="1"/>
-          <p:nvPr/>
-        </p:nvSpPr>
-        <p:spPr>
-          <a:xfrm>
-            <a:off x="697815" y="4901960"/>
-            <a:ext cx="2763898" cy="830997"/>
-          </a:xfrm>
-          <a:prstGeom prst="rect">
-            <a:avLst/>
-          </a:prstGeom>
-          <a:noFill/>
-        </p:spPr>
-        <p:txBody>
-          <a:bodyPr wrap="none" rtlCol="0">
-            <a:spAutoFit/>
-          </a:bodyPr>
-          <a:lstStyle/>
-          <a:p>
-            <a:r>
-              <a:rPr lang="en-US" sz="4800" dirty="0">
-                <a:solidFill>
-                  <a:schemeClr val="bg1"/>
-                </a:solidFill>
-              </a:rPr>
-              <a:t>E = 0.208</a:t>
-            </a:r>
-            <a:endParaRPr lang="en-US" dirty="0">
-              <a:solidFill>
-                <a:schemeClr val="bg1"/>
-              </a:solidFill>
-            </a:endParaRPr>
-          </a:p>
-        </p:txBody>
-      </p:sp>
-      <p:sp>
-        <p:nvSpPr>
-          <p:cNvPr id="10" name="TextBox 9">
-            <a:extLst>
-              <a:ext uri="{FF2B5EF4-FFF2-40B4-BE49-F238E27FC236}">
-                <a16:creationId xmlns:a16="http://schemas.microsoft.com/office/drawing/2014/main" id="{36EC6F85-883B-4E13-BD3A-93AE2D26B0B7}"/>
-              </a:ext>
-            </a:extLst>
-          </p:cNvPr>
-          <p:cNvSpPr txBox="1"/>
-          <p:nvPr/>
-        </p:nvSpPr>
-        <p:spPr>
-          <a:xfrm>
-            <a:off x="5185174" y="3013501"/>
-            <a:ext cx="2892138" cy="830997"/>
-          </a:xfrm>
-          <a:prstGeom prst="rect">
-            <a:avLst/>
-          </a:prstGeom>
-          <a:noFill/>
-        </p:spPr>
-        <p:txBody>
-          <a:bodyPr wrap="none" rtlCol="0">
-            <a:spAutoFit/>
-          </a:bodyPr>
-          <a:lstStyle/>
-          <a:p>
-            <a:r>
-              <a:rPr lang="en-US" sz="4800" dirty="0">
-                <a:solidFill>
-                  <a:schemeClr val="bg1"/>
-                </a:solidFill>
-              </a:rPr>
-              <a:t>D = 0.152</a:t>
-            </a:r>
-            <a:endParaRPr lang="en-US" dirty="0">
-              <a:solidFill>
-                <a:schemeClr val="bg1"/>
-              </a:solidFill>
-            </a:endParaRPr>
-          </a:p>
-        </p:txBody>
-      </p:sp>
-      <p:sp>
-        <p:nvSpPr>
-          <p:cNvPr id="11" name="TextBox 10">
-            <a:extLst>
-              <a:ext uri="{FF2B5EF4-FFF2-40B4-BE49-F238E27FC236}">
-                <a16:creationId xmlns:a16="http://schemas.microsoft.com/office/drawing/2014/main" id="{CE92BE7B-B655-420A-9297-F429EAAB4CD3}"/>
-              </a:ext>
-            </a:extLst>
-          </p:cNvPr>
-          <p:cNvSpPr txBox="1"/>
-          <p:nvPr/>
-        </p:nvSpPr>
-        <p:spPr>
-          <a:xfrm>
-            <a:off x="5286163" y="4901961"/>
-            <a:ext cx="2731838" cy="830997"/>
-          </a:xfrm>
-          <a:prstGeom prst="rect">
-            <a:avLst/>
-          </a:prstGeom>
-          <a:noFill/>
-        </p:spPr>
-        <p:txBody>
-          <a:bodyPr wrap="none" rtlCol="0">
-            <a:spAutoFit/>
-          </a:bodyPr>
-          <a:lstStyle/>
-          <a:p>
-            <a:r>
-              <a:rPr lang="en-US" sz="4800" dirty="0">
-                <a:solidFill>
-                  <a:schemeClr val="bg1"/>
-                </a:solidFill>
-              </a:rPr>
-              <a:t>F = 0.175</a:t>
-            </a:r>
-            <a:endParaRPr lang="en-US" dirty="0">
-              <a:solidFill>
-                <a:schemeClr val="bg1"/>
-              </a:solidFill>
-            </a:endParaRPr>
-          </a:p>
-        </p:txBody>
-      </p:sp>
-      <p:sp>
-        <p:nvSpPr>
-          <p:cNvPr id="12" name="TextBox 11">
-            <a:extLst>
-              <a:ext uri="{FF2B5EF4-FFF2-40B4-BE49-F238E27FC236}">
-                <a16:creationId xmlns:a16="http://schemas.microsoft.com/office/drawing/2014/main" id="{FE4AA836-FD0A-4EDE-8A2A-D4E289A34562}"/>
-              </a:ext>
-            </a:extLst>
-          </p:cNvPr>
-          <p:cNvSpPr txBox="1"/>
-          <p:nvPr/>
-        </p:nvSpPr>
-        <p:spPr>
-          <a:xfrm>
-            <a:off x="2637614" y="788282"/>
-            <a:ext cx="3751348" cy="830997"/>
-          </a:xfrm>
-          <a:prstGeom prst="rect">
-            <a:avLst/>
-          </a:prstGeom>
-          <a:noFill/>
-        </p:spPr>
-        <p:txBody>
-          <a:bodyPr wrap="none" rtlCol="0">
-            <a:spAutoFit/>
-          </a:bodyPr>
-          <a:lstStyle/>
-          <a:p>
-            <a:r>
-              <a:rPr lang="en-US" sz="4800" dirty="0">
-                <a:solidFill>
-                  <a:schemeClr val="bg1"/>
-                </a:solidFill>
-              </a:rPr>
-              <a:t>Correlations</a:t>
-            </a:r>
-            <a:endParaRPr lang="en-US" dirty="0">
-              <a:solidFill>
-                <a:schemeClr val="bg1"/>
-              </a:solidFill>
-            </a:endParaRPr>
-          </a:p>
-        </p:txBody>
-      </p:sp>
-    </p:spTree>
-    <p:extLst>
-      <p:ext uri="{BB962C8B-B14F-4D97-AF65-F5344CB8AC3E}">
-        <p14:creationId xmlns:p14="http://schemas.microsoft.com/office/powerpoint/2010/main" val="847123957"/>
-      </p:ext>
-    </p:extLst>
-  </p:cSld>
-  <p:clrMapOvr>
-    <a:masterClrMapping/>
-  </p:clrMapOvr>
-</p:sld>
-</file>
-
 <file path=ppt/slides/slide5.xml><?xml version="1.0" encoding="utf-8"?>
 <p:sld xmlns:a="http://schemas.openxmlformats.org/drawingml/2006/main" xmlns:r="http://schemas.openxmlformats.org/officeDocument/2006/relationships" xmlns:p="http://schemas.openxmlformats.org/presentationml/2006/main">
   <p:cSld>
@@ -6816,109 +6922,6 @@
           <p:cNvPr id="2" name="Title 1">
             <a:extLst>
               <a:ext uri="{FF2B5EF4-FFF2-40B4-BE49-F238E27FC236}">
-                <a16:creationId xmlns:a16="http://schemas.microsoft.com/office/drawing/2014/main" id="{9F1AF4C9-B9DE-48F7-939F-DA7C7F2385D4}"/>
-              </a:ext>
-            </a:extLst>
-          </p:cNvPr>
-          <p:cNvSpPr>
-            <a:spLocks noGrp="1"/>
-          </p:cNvSpPr>
-          <p:nvPr>
-            <p:ph type="title"/>
-          </p:nvPr>
-        </p:nvSpPr>
-        <p:spPr>
-          <a:xfrm>
-            <a:off x="531812" y="501740"/>
-            <a:ext cx="8534400" cy="1507067"/>
-          </a:xfrm>
-        </p:spPr>
-        <p:txBody>
-          <a:bodyPr/>
-          <a:lstStyle/>
-          <a:p>
-            <a:r>
-              <a:rPr lang="en-US" dirty="0"/>
-              <a:t>Analysis</a:t>
-            </a:r>
-          </a:p>
-        </p:txBody>
-      </p:sp>
-      <p:sp>
-        <p:nvSpPr>
-          <p:cNvPr id="3" name="Content Placeholder 2">
-            <a:extLst>
-              <a:ext uri="{FF2B5EF4-FFF2-40B4-BE49-F238E27FC236}">
-                <a16:creationId xmlns:a16="http://schemas.microsoft.com/office/drawing/2014/main" id="{6DF3DB13-5D70-4FCE-B408-0827C50B0FCE}"/>
-              </a:ext>
-            </a:extLst>
-          </p:cNvPr>
-          <p:cNvSpPr>
-            <a:spLocks noGrp="1"/>
-          </p:cNvSpPr>
-          <p:nvPr>
-            <p:ph idx="1"/>
-          </p:nvPr>
-        </p:nvSpPr>
-        <p:spPr>
-          <a:xfrm>
-            <a:off x="531812" y="2126725"/>
-            <a:ext cx="9275128" cy="2604549"/>
-          </a:xfrm>
-        </p:spPr>
-        <p:txBody>
-          <a:bodyPr/>
-          <a:lstStyle/>
-          <a:p>
-            <a:r>
-              <a:rPr lang="en-US" sz="2400" dirty="0">
-                <a:solidFill>
-                  <a:schemeClr val="tx1"/>
-                </a:solidFill>
-              </a:rPr>
-              <a:t>As skill level in the game increases, the efficacy increases. A high efficacy indicates a low chance of accepting drugs from friends.  This means as players continue acquiring skill points in the game, the players are less likely to accept drugs or alcohol from friends.</a:t>
-            </a:r>
-          </a:p>
-          <a:p>
-            <a:endParaRPr lang="en-US" dirty="0"/>
-          </a:p>
-        </p:txBody>
-      </p:sp>
-    </p:spTree>
-    <p:extLst>
-      <p:ext uri="{BB962C8B-B14F-4D97-AF65-F5344CB8AC3E}">
-        <p14:creationId xmlns:p14="http://schemas.microsoft.com/office/powerpoint/2010/main" val="214483348"/>
-      </p:ext>
-    </p:extLst>
-  </p:cSld>
-  <p:clrMapOvr>
-    <a:masterClrMapping/>
-  </p:clrMapOvr>
-</p:sld>
-</file>
-
-<file path=ppt/slides/slide6.xml><?xml version="1.0" encoding="utf-8"?>
-<p:sld xmlns:a="http://schemas.openxmlformats.org/drawingml/2006/main" xmlns:r="http://schemas.openxmlformats.org/officeDocument/2006/relationships" xmlns:p="http://schemas.openxmlformats.org/presentationml/2006/main">
-  <p:cSld>
-    <p:spTree>
-      <p:nvGrpSpPr>
-        <p:cNvPr id="1" name=""/>
-        <p:cNvGrpSpPr/>
-        <p:nvPr/>
-      </p:nvGrpSpPr>
-      <p:grpSpPr>
-        <a:xfrm>
-          <a:off x="0" y="0"/>
-          <a:ext cx="0" cy="0"/>
-          <a:chOff x="0" y="0"/>
-          <a:chExt cx="0" cy="0"/>
-        </a:xfrm>
-      </p:grpSpPr>
-      <p:sp>
-        <p:nvSpPr>
-          <p:cNvPr id="2" name="Title 1">
-            <a:extLst>
-              <a:ext uri="{FF2B5EF4-FFF2-40B4-BE49-F238E27FC236}">
                 <a16:creationId xmlns:a16="http://schemas.microsoft.com/office/drawing/2014/main" id="{3E72FA9C-70D8-4BB4-B650-C084334F1423}"/>
               </a:ext>
             </a:extLst>
@@ -6991,7 +6994,7 @@
                   <a:schemeClr val="tx1"/>
                 </a:solidFill>
               </a:rPr>
-              <a:t>We concluded that while the game does have positive effects, the game must be vastly improved to accommodate for different learning rates.</a:t>
+              <a:t>We concluded that while the game does have positive effects as evidenced by the slightly positive correlations, the game could be vastly improved to accommodate for different learning rates.</a:t>
             </a:r>
           </a:p>
         </p:txBody>
